--- a/docs/slides/PSYC761_L8_MixedModels.pptx
+++ b/docs/slides/PSYC761_L8_MixedModels.pptx
@@ -168,65 +168,9 @@
 <file path=ppt/revisionInfo.xml><?xml version="1.0" encoding="utf-8"?>
 <p1510:revInfo xmlns:a="http://schemas.openxmlformats.org/drawingml/2006/main" xmlns:r="http://schemas.openxmlformats.org/officeDocument/2006/relationships" xmlns:p1510="http://schemas.microsoft.com/office/powerpoint/2015/10/main">
   <p1510:revLst>
-    <p1510:client id="{166A1F69-6144-4C2C-BC4A-6AA9F3A4CAEC}" v="362" dt="2024-03-01T13:55:36.131"/>
+    <p1510:client id="{C7F529BD-40B1-4B31-993E-97B24F7148F1}" v="766" dt="2024-03-18T13:32:25.620"/>
   </p1510:revLst>
 </p1510:revInfo>
-</file>
-
-<file path=ppt/changesInfos/changesInfo1.xml><?xml version="1.0" encoding="utf-8"?>
-<pc:chgInfo xmlns:a="http://schemas.openxmlformats.org/drawingml/2006/main" xmlns:r="http://schemas.openxmlformats.org/officeDocument/2006/relationships" xmlns:ac="http://schemas.microsoft.com/office/drawing/2013/main/command" xmlns:pc="http://schemas.microsoft.com/office/powerpoint/2013/main/command">
-  <pc:docChgLst>
-    <pc:chgData name="Christopher Berry" userId="468ae48a-5539-4b21-98ea-6081f4d86140" providerId="ADAL" clId="{F948935A-6F4F-434E-8B1E-0603D4AE6CBF}"/>
-    <pc:docChg chg="custSel modSld">
-      <pc:chgData name="Christopher Berry" userId="468ae48a-5539-4b21-98ea-6081f4d86140" providerId="ADAL" clId="{F948935A-6F4F-434E-8B1E-0603D4AE6CBF}" dt="2024-03-01T13:58:42.131" v="11" actId="368"/>
-      <pc:docMkLst>
-        <pc:docMk/>
-      </pc:docMkLst>
-      <pc:sldChg chg="modNotes">
-        <pc:chgData name="Christopher Berry" userId="468ae48a-5539-4b21-98ea-6081f4d86140" providerId="ADAL" clId="{F948935A-6F4F-434E-8B1E-0603D4AE6CBF}" dt="2024-03-01T13:58:42.101" v="1" actId="368"/>
-        <pc:sldMkLst>
-          <pc:docMk/>
-          <pc:sldMk cId="1337738250" sldId="257"/>
-        </pc:sldMkLst>
-      </pc:sldChg>
-      <pc:sldChg chg="modNotes">
-        <pc:chgData name="Christopher Berry" userId="468ae48a-5539-4b21-98ea-6081f4d86140" providerId="ADAL" clId="{F948935A-6F4F-434E-8B1E-0603D4AE6CBF}" dt="2024-03-01T13:58:42.110" v="3" actId="368"/>
-        <pc:sldMkLst>
-          <pc:docMk/>
-          <pc:sldMk cId="1463765342" sldId="361"/>
-        </pc:sldMkLst>
-      </pc:sldChg>
-      <pc:sldChg chg="modNotes">
-        <pc:chgData name="Christopher Berry" userId="468ae48a-5539-4b21-98ea-6081f4d86140" providerId="ADAL" clId="{F948935A-6F4F-434E-8B1E-0603D4AE6CBF}" dt="2024-03-01T13:58:42.131" v="11" actId="368"/>
-        <pc:sldMkLst>
-          <pc:docMk/>
-          <pc:sldMk cId="2165366148" sldId="362"/>
-        </pc:sldMkLst>
-      </pc:sldChg>
-      <pc:sldChg chg="modNotes">
-        <pc:chgData name="Christopher Berry" userId="468ae48a-5539-4b21-98ea-6081f4d86140" providerId="ADAL" clId="{F948935A-6F4F-434E-8B1E-0603D4AE6CBF}" dt="2024-03-01T13:58:42.121" v="7" actId="368"/>
-        <pc:sldMkLst>
-          <pc:docMk/>
-          <pc:sldMk cId="1799526813" sldId="369"/>
-        </pc:sldMkLst>
-      </pc:sldChg>
-      <pc:sldChg chg="modNotes">
-        <pc:chgData name="Christopher Berry" userId="468ae48a-5539-4b21-98ea-6081f4d86140" providerId="ADAL" clId="{F948935A-6F4F-434E-8B1E-0603D4AE6CBF}" dt="2024-03-01T13:58:42.127" v="9" actId="368"/>
-        <pc:sldMkLst>
-          <pc:docMk/>
-          <pc:sldMk cId="1029484343" sldId="372"/>
-        </pc:sldMkLst>
-      </pc:sldChg>
-      <pc:sldChg chg="modNotes">
-        <pc:chgData name="Christopher Berry" userId="468ae48a-5539-4b21-98ea-6081f4d86140" providerId="ADAL" clId="{F948935A-6F4F-434E-8B1E-0603D4AE6CBF}" dt="2024-03-01T13:58:42.115" v="5" actId="368"/>
-        <pc:sldMkLst>
-          <pc:docMk/>
-          <pc:sldMk cId="1211869582" sldId="376"/>
-        </pc:sldMkLst>
-      </pc:sldChg>
-    </pc:docChg>
-  </pc:docChgLst>
-</pc:chgInfo>
 </file>
 
 <file path=ppt/handoutMasters/handoutMaster1.xml><?xml version="1.0" encoding="utf-8"?>
@@ -311,7 +255,7 @@
           <a:p>
             <a:fld id="{39F2F66B-899D-484E-9C99-E1DBE23F9DE9}" type="datetimeFigureOut">
               <a:rPr lang="en-GB" smtClean="0"/>
-              <a:t>01/03/2024</a:t>
+              <a:t>18/03/2024</a:t>
             </a:fld>
             <a:endParaRPr lang="en-GB"/>
           </a:p>
@@ -477,7 +421,7 @@
             <a:fld id="{2C09A945-60CF-41CC-BF14-DA645D9ABE0F}" type="datetimeFigureOut">
               <a:rPr lang="en-GB" smtClean="0"/>
               <a:pPr/>
-              <a:t>01/03/2024</a:t>
+              <a:t>18/03/2024</a:t>
             </a:fld>
             <a:endParaRPr lang="en-GB"/>
           </a:p>
@@ -963,6 +907,91 @@
             <p:ph type="sldImg"/>
           </p:nvPr>
         </p:nvSpPr>
+        <p:spPr/>
+      </p:sp>
+      <p:sp>
+        <p:nvSpPr>
+          <p:cNvPr id="3" name="Notes Placeholder 2"/>
+          <p:cNvSpPr>
+            <a:spLocks noGrp="1"/>
+          </p:cNvSpPr>
+          <p:nvPr>
+            <p:ph type="body" idx="1"/>
+          </p:nvPr>
+        </p:nvSpPr>
+        <p:spPr/>
+        <p:txBody>
+          <a:bodyPr/>
+          <a:lstStyle/>
+          <a:p>
+            <a:endParaRPr lang="en-GB" dirty="0"/>
+          </a:p>
+        </p:txBody>
+      </p:sp>
+      <p:sp>
+        <p:nvSpPr>
+          <p:cNvPr id="4" name="Slide Number Placeholder 3"/>
+          <p:cNvSpPr>
+            <a:spLocks noGrp="1"/>
+          </p:cNvSpPr>
+          <p:nvPr>
+            <p:ph type="sldNum" sz="quarter" idx="5"/>
+          </p:nvPr>
+        </p:nvSpPr>
+        <p:spPr/>
+        <p:txBody>
+          <a:bodyPr/>
+          <a:lstStyle/>
+          <a:p>
+            <a:fld id="{46EF6F6D-23AC-402A-8000-0A495137CF31}" type="slidenum">
+              <a:rPr lang="en-GB" smtClean="0"/>
+              <a:pPr/>
+              <a:t>21</a:t>
+            </a:fld>
+            <a:endParaRPr lang="en-GB"/>
+          </a:p>
+        </p:txBody>
+      </p:sp>
+    </p:spTree>
+    <p:extLst>
+      <p:ext uri="{BB962C8B-B14F-4D97-AF65-F5344CB8AC3E}">
+        <p14:creationId xmlns:p14="http://schemas.microsoft.com/office/powerpoint/2010/main" val="3961875102"/>
+      </p:ext>
+    </p:extLst>
+  </p:cSld>
+  <p:clrMapOvr>
+    <a:masterClrMapping/>
+  </p:clrMapOvr>
+</p:notes>
+</file>
+
+<file path=ppt/notesSlides/notesSlide12.xml><?xml version="1.0" encoding="utf-8"?>
+<p:notes xmlns:a="http://schemas.openxmlformats.org/drawingml/2006/main" xmlns:r="http://schemas.openxmlformats.org/officeDocument/2006/relationships" xmlns:p="http://schemas.openxmlformats.org/presentationml/2006/main">
+  <p:cSld>
+    <p:spTree>
+      <p:nvGrpSpPr>
+        <p:cNvPr id="1" name=""/>
+        <p:cNvGrpSpPr/>
+        <p:nvPr/>
+      </p:nvGrpSpPr>
+      <p:grpSpPr>
+        <a:xfrm>
+          <a:off x="0" y="0"/>
+          <a:ext cx="0" cy="0"/>
+          <a:chOff x="0" y="0"/>
+          <a:chExt cx="0" cy="0"/>
+        </a:xfrm>
+      </p:grpSpPr>
+      <p:sp>
+        <p:nvSpPr>
+          <p:cNvPr id="2" name="Slide Image Placeholder 1"/>
+          <p:cNvSpPr>
+            <a:spLocks noGrp="1" noRot="1" noChangeAspect="1"/>
+          </p:cNvSpPr>
+          <p:nvPr>
+            <p:ph type="sldImg"/>
+          </p:nvPr>
+        </p:nvSpPr>
         <p:spPr>
           <a:xfrm>
             <a:off x="114300" y="746125"/>
@@ -1885,7 +1914,7 @@
             <a:fld id="{FD207E47-C1CA-47C9-BFA1-FDEFD1CE1BAA}" type="datetime1">
               <a:rPr lang="en-US" smtClean="0"/>
               <a:pPr/>
-              <a:t>3/1/2024</a:t>
+              <a:t>3/18/2024</a:t>
             </a:fld>
             <a:endParaRPr lang="en-US"/>
           </a:p>
@@ -2050,7 +2079,7 @@
             <a:fld id="{58C692B5-BE86-445D-88C0-242C83A9421E}" type="datetime1">
               <a:rPr lang="en-US" smtClean="0"/>
               <a:pPr/>
-              <a:t>3/1/2024</a:t>
+              <a:t>3/18/2024</a:t>
             </a:fld>
             <a:endParaRPr lang="en-US"/>
           </a:p>
@@ -2225,7 +2254,7 @@
             <a:fld id="{6A70B350-EB04-4702-A2C6-BB029CC917C4}" type="datetime1">
               <a:rPr lang="en-US" smtClean="0"/>
               <a:pPr/>
-              <a:t>3/1/2024</a:t>
+              <a:t>3/18/2024</a:t>
             </a:fld>
             <a:endParaRPr lang="en-US"/>
           </a:p>
@@ -2390,7 +2419,7 @@
             <a:fld id="{B19C5C7B-1CCF-4D03-A2E8-D3591213E0F6}" type="datetime1">
               <a:rPr lang="en-US" smtClean="0"/>
               <a:pPr/>
-              <a:t>3/1/2024</a:t>
+              <a:t>3/18/2024</a:t>
             </a:fld>
             <a:endParaRPr lang="en-US"/>
           </a:p>
@@ -2632,7 +2661,7 @@
             <a:fld id="{617DE08F-8114-45C2-9520-EC1882F8A669}" type="datetime1">
               <a:rPr lang="en-US" smtClean="0"/>
               <a:pPr/>
-              <a:t>3/1/2024</a:t>
+              <a:t>3/18/2024</a:t>
             </a:fld>
             <a:endParaRPr lang="en-US"/>
           </a:p>
@@ -2914,7 +2943,7 @@
             <a:fld id="{67FBBCEA-51D6-4D4F-B700-EBDD8904452C}" type="datetime1">
               <a:rPr lang="en-US" smtClean="0"/>
               <a:pPr/>
-              <a:t>3/1/2024</a:t>
+              <a:t>3/18/2024</a:t>
             </a:fld>
             <a:endParaRPr lang="en-US"/>
           </a:p>
@@ -3330,7 +3359,7 @@
             <a:fld id="{7C3355C0-4DE2-42D1-B918-7B0FCE7481FD}" type="datetime1">
               <a:rPr lang="en-US" smtClean="0"/>
               <a:pPr/>
-              <a:t>3/1/2024</a:t>
+              <a:t>3/18/2024</a:t>
             </a:fld>
             <a:endParaRPr lang="en-US"/>
           </a:p>
@@ -3444,7 +3473,7 @@
             <a:fld id="{41F9056E-53B5-467C-A68C-D5DD1F771BB5}" type="datetime1">
               <a:rPr lang="en-US" smtClean="0"/>
               <a:pPr/>
-              <a:t>3/1/2024</a:t>
+              <a:t>3/18/2024</a:t>
             </a:fld>
             <a:endParaRPr lang="en-US"/>
           </a:p>
@@ -3536,7 +3565,7 @@
             <a:fld id="{73236B7C-1414-4D49-8A59-8F56128C501B}" type="datetime1">
               <a:rPr lang="en-US" smtClean="0"/>
               <a:pPr/>
-              <a:t>3/1/2024</a:t>
+              <a:t>3/18/2024</a:t>
             </a:fld>
             <a:endParaRPr lang="en-US"/>
           </a:p>
@@ -3808,7 +3837,7 @@
             <a:fld id="{A40AEADC-23C0-4767-9AD7-3E7B6C343A0A}" type="datetime1">
               <a:rPr lang="en-US" smtClean="0"/>
               <a:pPr/>
-              <a:t>3/1/2024</a:t>
+              <a:t>3/18/2024</a:t>
             </a:fld>
             <a:endParaRPr lang="en-US"/>
           </a:p>
@@ -4057,7 +4086,7 @@
             <a:fld id="{07762B3B-4AFD-4E39-B6F8-E1A2354BA336}" type="datetime1">
               <a:rPr lang="en-US" smtClean="0"/>
               <a:pPr/>
-              <a:t>3/1/2024</a:t>
+              <a:t>3/18/2024</a:t>
             </a:fld>
             <a:endParaRPr lang="en-US"/>
           </a:p>
@@ -4270,7 +4299,7 @@
             <a:fld id="{16C4ABC6-3BA1-4854-92CA-2B0133ECAB44}" type="datetime1">
               <a:rPr lang="en-US" smtClean="0"/>
               <a:pPr/>
-              <a:t>3/1/2024</a:t>
+              <a:t>3/18/2024</a:t>
             </a:fld>
             <a:endParaRPr lang="en-US"/>
           </a:p>
@@ -5654,7 +5683,7 @@
                   <a:srgbClr val="00B050"/>
                 </a:solidFill>
               </a:rPr>
-              <a:t>Random Intercept </a:t>
+              <a:t>Random Intercepts </a:t>
             </a:r>
             <a:r>
               <a:rPr lang="en-GB" dirty="0"/>
@@ -5716,7 +5745,7 @@
         <p:spPr>
           <a:xfrm>
             <a:off x="609600" y="1585814"/>
-            <a:ext cx="9942674" cy="4770537"/>
+            <a:ext cx="10254916" cy="4678204"/>
           </a:xfrm>
           <a:prstGeom prst="rect">
             <a:avLst/>
@@ -5740,7 +5769,7 @@
           </a:p>
           <a:p>
             <a:r>
-              <a:rPr lang="en-GB" sz="2800" dirty="0">
+              <a:rPr lang="en-GB" sz="2600" dirty="0">
                 <a:solidFill>
                   <a:schemeClr val="accent4">
                     <a:lumMod val="75000"/>
@@ -5750,7 +5779,7 @@
               <a:t>Represent</a:t>
             </a:r>
             <a:r>
-              <a:rPr lang="en-GB" sz="2800" b="1" dirty="0">
+              <a:rPr lang="en-GB" sz="2600" b="1" dirty="0">
                 <a:solidFill>
                   <a:schemeClr val="accent4">
                     <a:lumMod val="75000"/>
@@ -5760,7 +5789,7 @@
               <a:t> </a:t>
             </a:r>
             <a:r>
-              <a:rPr lang="en-GB" sz="2800" dirty="0">
+              <a:rPr lang="en-GB" sz="2600" dirty="0">
                 <a:solidFill>
                   <a:schemeClr val="accent1">
                     <a:lumMod val="50000"/>
@@ -5770,7 +5799,7 @@
               <a:t>individual differences in the </a:t>
             </a:r>
             <a:r>
-              <a:rPr lang="en-GB" sz="2800" b="1" dirty="0">
+              <a:rPr lang="en-GB" sz="2600" b="1" dirty="0">
                 <a:solidFill>
                   <a:schemeClr val="accent1">
                     <a:lumMod val="50000"/>
@@ -5780,19 +5809,19 @@
               <a:t>mean</a:t>
             </a:r>
             <a:r>
-              <a:rPr lang="en-GB" sz="2800" dirty="0">
+              <a:rPr lang="en-GB" sz="2600" dirty="0">
                 <a:solidFill>
                   <a:schemeClr val="accent1">
                     <a:lumMod val="50000"/>
                   </a:schemeClr>
                 </a:solidFill>
               </a:rPr>
-              <a:t> across all conditions</a:t>
-            </a:r>
-          </a:p>
-          <a:p>
-            <a:r>
-              <a:rPr lang="en-GB" sz="2800" dirty="0">
+              <a:t> across all conditions. Can be</a:t>
+            </a:r>
+          </a:p>
+          <a:p>
+            <a:r>
+              <a:rPr lang="en-GB" sz="2600" dirty="0">
                 <a:solidFill>
                   <a:schemeClr val="accent1">
                     <a:lumMod val="50000"/>
@@ -5804,7 +5833,7 @@
           </a:p>
           <a:p>
             <a:r>
-              <a:rPr lang="en-GB" sz="2800" dirty="0">
+              <a:rPr lang="en-GB" sz="2600" dirty="0">
                 <a:solidFill>
                   <a:schemeClr val="accent1">
                     <a:lumMod val="50000"/>
@@ -5835,7 +5864,7 @@
           </a:p>
           <a:p>
             <a:r>
-              <a:rPr lang="en-GB" sz="2800" dirty="0">
+              <a:rPr lang="en-GB" sz="2600" dirty="0">
                 <a:solidFill>
                   <a:schemeClr val="accent1">
                     <a:lumMod val="50000"/>
@@ -5845,7 +5874,7 @@
               <a:t>Represent</a:t>
             </a:r>
             <a:r>
-              <a:rPr lang="en-GB" sz="2800" b="1" dirty="0">
+              <a:rPr lang="en-GB" sz="2600" b="1" dirty="0">
                 <a:solidFill>
                   <a:schemeClr val="accent1">
                     <a:lumMod val="50000"/>
@@ -5855,7 +5884,7 @@
               <a:t> </a:t>
             </a:r>
             <a:r>
-              <a:rPr lang="en-GB" sz="2800" dirty="0">
+              <a:rPr lang="en-GB" sz="2600" dirty="0">
                 <a:solidFill>
                   <a:schemeClr val="accent1">
                     <a:lumMod val="50000"/>
@@ -5865,7 +5894,7 @@
               <a:t>individual difference in the </a:t>
             </a:r>
             <a:r>
-              <a:rPr lang="en-GB" sz="2800" b="1" i="1" dirty="0">
+              <a:rPr lang="en-GB" sz="2600" b="1" i="1" dirty="0">
                 <a:solidFill>
                   <a:schemeClr val="accent1">
                     <a:lumMod val="50000"/>
@@ -5875,7 +5904,7 @@
               <a:t>effect</a:t>
             </a:r>
             <a:r>
-              <a:rPr lang="en-GB" sz="2800" dirty="0">
+              <a:rPr lang="en-GB" sz="2600" dirty="0">
                 <a:solidFill>
                   <a:schemeClr val="accent1">
                     <a:lumMod val="50000"/>
@@ -5887,7 +5916,7 @@
           </a:p>
           <a:p>
             <a:r>
-              <a:rPr lang="en-GB" sz="2800" dirty="0">
+              <a:rPr lang="en-GB" sz="2600" dirty="0">
                 <a:solidFill>
                   <a:schemeClr val="accent1">
                     <a:lumMod val="50000"/>
@@ -5899,7 +5928,7 @@
           </a:p>
           <a:p>
             <a:r>
-              <a:rPr lang="en-GB" sz="2800" dirty="0">
+              <a:rPr lang="en-GB" sz="2600" dirty="0">
                 <a:solidFill>
                   <a:schemeClr val="accent1">
                     <a:lumMod val="50000"/>
@@ -6304,7 +6333,7 @@
             <a:pPr algn="l"/>
             <a:r>
               <a:rPr lang="en-GB" dirty="0"/>
-              <a:t>Another example with </a:t>
+              <a:t>An example with </a:t>
             </a:r>
             <a:r>
               <a:rPr lang="en-GB" dirty="0">
@@ -6794,7 +6823,7 @@
         <p:spPr>
           <a:xfrm>
             <a:off x="506082" y="1707446"/>
-            <a:ext cx="4550669" cy="1323439"/>
+            <a:ext cx="3665812" cy="1323439"/>
           </a:xfrm>
           <a:prstGeom prst="rect">
             <a:avLst/>
@@ -6813,7 +6842,7 @@
                   <a:schemeClr val="tx2"/>
                 </a:solidFill>
               </a:rPr>
-              <a:t>Imagine a reaction time (RT) experiment:</a:t>
+              <a:t>A reaction time (RT) experiment:</a:t>
             </a:r>
           </a:p>
           <a:p>
@@ -6822,16 +6851,12 @@
               <a:buChar char="-"/>
             </a:pPr>
             <a:r>
-              <a:rPr lang="en-GB" sz="2000" dirty="0"/>
-              <a:t>Two </a:t>
-            </a:r>
-            <a:r>
               <a:rPr lang="en-GB" sz="2000" b="1" dirty="0">
                 <a:solidFill>
-                  <a:srgbClr val="0070C0"/>
-                </a:solidFill>
-              </a:rPr>
-              <a:t>conditions</a:t>
+                  <a:schemeClr val="accent1"/>
+                </a:solidFill>
+              </a:rPr>
+              <a:t>Conditions</a:t>
             </a:r>
             <a:r>
               <a:rPr lang="en-GB" sz="2000" dirty="0"/>
@@ -6844,16 +6869,12 @@
               <a:buChar char="-"/>
             </a:pPr>
             <a:r>
-              <a:rPr lang="en-GB" sz="2000" dirty="0"/>
-              <a:t>Two </a:t>
-            </a:r>
-            <a:r>
               <a:rPr lang="en-GB" sz="2000" b="1" dirty="0">
                 <a:solidFill>
                   <a:srgbClr val="00B050"/>
                 </a:solidFill>
               </a:rPr>
-              <a:t>participants</a:t>
+              <a:t>Participants</a:t>
             </a:r>
             <a:r>
               <a:rPr lang="en-GB" sz="2000" dirty="0"/>
@@ -6866,16 +6887,12 @@
               <a:buChar char="-"/>
             </a:pPr>
             <a:r>
-              <a:rPr lang="en-GB" sz="2000" dirty="0"/>
-              <a:t>Two </a:t>
-            </a:r>
-            <a:r>
               <a:rPr lang="en-GB" sz="2000" b="1" dirty="0">
                 <a:solidFill>
                   <a:srgbClr val="00B050"/>
                 </a:solidFill>
               </a:rPr>
-              <a:t>items</a:t>
+              <a:t>Items</a:t>
             </a:r>
             <a:r>
               <a:rPr lang="en-GB" sz="2000" dirty="0"/>
@@ -6930,7 +6947,30 @@
                   <a:schemeClr val="tx2"/>
                 </a:solidFill>
               </a:rPr>
-              <a:t>Trends evident in the observed data (squares)</a:t>
+              <a:t>Trends in the data (</a:t>
+            </a:r>
+            <a:r>
+              <a:rPr lang="en-GB" sz="2000" b="1" dirty="0">
+                <a:sym typeface="Wingdings" panose="05000000000000000000" pitchFamily="2" charset="2"/>
+              </a:rPr>
+              <a:t></a:t>
+            </a:r>
+            <a:r>
+              <a:rPr lang="en-GB" sz="2000" b="1" dirty="0">
+                <a:solidFill>
+                  <a:schemeClr val="tx2"/>
+                </a:solidFill>
+                <a:sym typeface="Wingdings" panose="05000000000000000000" pitchFamily="2" charset="2"/>
+              </a:rPr>
+              <a:t> </a:t>
+            </a:r>
+            <a:r>
+              <a:rPr lang="en-GB" sz="2000" b="1" dirty="0">
+                <a:solidFill>
+                  <a:schemeClr val="tx2"/>
+                </a:solidFill>
+              </a:rPr>
+              <a:t>)</a:t>
             </a:r>
           </a:p>
           <a:p>
@@ -6940,8 +6980,14 @@
             </a:pPr>
             <a:r>
               <a:rPr lang="en-GB" sz="2000" dirty="0"/>
-              <a:t>RTs tend to be </a:t>
-            </a:r>
+              <a:t>RTs tend to be:</a:t>
+            </a:r>
+          </a:p>
+          <a:p>
+            <a:pPr marL="742950" lvl="1" indent="-285750">
+              <a:buFontTx/>
+              <a:buChar char="-"/>
+            </a:pPr>
             <a:r>
               <a:rPr lang="en-GB" sz="2000" dirty="0">
                 <a:solidFill>
@@ -6950,15 +6996,12 @@
                   </a:schemeClr>
                 </a:solidFill>
               </a:rPr>
-              <a:t>longer</a:t>
+              <a:t>slower</a:t>
             </a:r>
             <a:r>
               <a:rPr lang="en-GB" sz="2000" dirty="0"/>
               <a:t> in the </a:t>
             </a:r>
-            <a:br>
-              <a:rPr lang="en-GB" sz="2000" dirty="0"/>
-            </a:br>
             <a:r>
               <a:rPr lang="en-GB" sz="2000" dirty="0">
                 <a:solidFill>
@@ -6971,39 +7014,25 @@
             </a:r>
             <a:r>
               <a:rPr lang="en-GB" sz="2000" dirty="0"/>
-              <a:t> vs </a:t>
-            </a:r>
-            <a:r>
-              <a:rPr lang="en-GB" sz="2000" dirty="0">
-                <a:solidFill>
-                  <a:schemeClr val="accent1">
-                    <a:lumMod val="50000"/>
-                  </a:schemeClr>
-                </a:solidFill>
-              </a:rPr>
-              <a:t>easy</a:t>
-            </a:r>
-            <a:r>
-              <a:rPr lang="en-GB" sz="2000" dirty="0"/>
               <a:t> </a:t>
             </a:r>
             <a:r>
               <a:rPr lang="en-GB" sz="2000" b="1" dirty="0">
                 <a:solidFill>
-                  <a:srgbClr val="0070C0"/>
+                  <a:schemeClr val="accent1"/>
                 </a:solidFill>
               </a:rPr>
               <a:t>condition</a:t>
             </a:r>
           </a:p>
           <a:p>
-            <a:pPr marL="285750" indent="-285750">
+            <a:pPr marL="742950" lvl="1" indent="-285750">
               <a:buFontTx/>
               <a:buChar char="-"/>
             </a:pPr>
             <a:r>
               <a:rPr lang="en-GB" sz="2000" dirty="0"/>
-              <a:t>RTs tend to be longer for </a:t>
+              <a:t>slower for </a:t>
             </a:r>
             <a:r>
               <a:rPr lang="en-GB" sz="2000" b="1" dirty="0">
@@ -7015,17 +7044,17 @@
             </a:r>
             <a:r>
               <a:rPr lang="en-GB" sz="2000" dirty="0"/>
-              <a:t> 1 vs 2.</a:t>
-            </a:r>
-          </a:p>
-          <a:p>
-            <a:pPr marL="285750" indent="-285750">
+              <a:t> 1</a:t>
+            </a:r>
+          </a:p>
+          <a:p>
+            <a:pPr marL="742950" lvl="1" indent="-285750">
               <a:buFontTx/>
               <a:buChar char="-"/>
             </a:pPr>
             <a:r>
               <a:rPr lang="en-GB" sz="2000" dirty="0"/>
-              <a:t>RTs tend to be longer for </a:t>
+              <a:t>slower for </a:t>
             </a:r>
             <a:r>
               <a:rPr lang="en-GB" sz="2000" b="1" dirty="0">
@@ -7037,7 +7066,7 @@
             </a:r>
             <a:r>
               <a:rPr lang="en-GB" sz="2000" dirty="0"/>
-              <a:t> 2 vs. 1</a:t>
+              <a:t> 2</a:t>
             </a:r>
           </a:p>
         </p:txBody>
@@ -7457,7 +7486,7 @@
                             </p:stCondLst>
                             <p:childTnLst>
                               <p:par>
-                                <p:cTn id="29" presetID="1" presetClass="entr" presetSubtype="0" fill="hold" grpId="0" nodeType="clickEffect">
+                                <p:cTn id="29" presetID="1" presetClass="entr" presetSubtype="0" fill="hold" nodeType="clickEffect">
                                   <p:stCondLst>
                                     <p:cond delay="0"/>
                                   </p:stCondLst>
@@ -7465,6 +7494,55 @@
                                     <p:set>
                                       <p:cBhvr>
                                         <p:cTn id="30" dur="1" fill="hold">
+                                          <p:stCondLst>
+                                            <p:cond delay="0"/>
+                                          </p:stCondLst>
+                                        </p:cTn>
+                                        <p:tgtEl>
+                                          <p:spTgt spid="15">
+                                            <p:txEl>
+                                              <p:pRg st="4" end="4"/>
+                                            </p:txEl>
+                                          </p:spTgt>
+                                        </p:tgtEl>
+                                        <p:attrNameLst>
+                                          <p:attrName>style.visibility</p:attrName>
+                                        </p:attrNameLst>
+                                      </p:cBhvr>
+                                      <p:to>
+                                        <p:strVal val="visible"/>
+                                      </p:to>
+                                    </p:set>
+                                  </p:childTnLst>
+                                </p:cTn>
+                              </p:par>
+                            </p:childTnLst>
+                          </p:cTn>
+                        </p:par>
+                      </p:childTnLst>
+                    </p:cTn>
+                  </p:par>
+                  <p:par>
+                    <p:cTn id="31" fill="hold">
+                      <p:stCondLst>
+                        <p:cond delay="indefinite"/>
+                      </p:stCondLst>
+                      <p:childTnLst>
+                        <p:par>
+                          <p:cTn id="32" fill="hold">
+                            <p:stCondLst>
+                              <p:cond delay="0"/>
+                            </p:stCondLst>
+                            <p:childTnLst>
+                              <p:par>
+                                <p:cTn id="33" presetID="1" presetClass="entr" presetSubtype="0" fill="hold" grpId="0" nodeType="clickEffect">
+                                  <p:stCondLst>
+                                    <p:cond delay="0"/>
+                                  </p:stCondLst>
+                                  <p:childTnLst>
+                                    <p:set>
+                                      <p:cBhvr>
+                                        <p:cTn id="34" dur="1" fill="hold">
                                           <p:stCondLst>
                                             <p:cond delay="0"/>
                                           </p:stCondLst>
@@ -7565,12 +7643,13 @@
           <a:p>
             <a:pPr algn="l"/>
             <a:r>
+              <a:rPr lang="en-GB" dirty="0"/>
+              <a:t>The </a:t>
+            </a:r>
+            <a:r>
               <a:rPr lang="en-GB" dirty="0">
                 <a:solidFill>
-                  <a:schemeClr val="tx2">
-                    <a:lumMod val="60000"/>
-                    <a:lumOff val="40000"/>
-                  </a:schemeClr>
+                  <a:schemeClr val="accent1"/>
                 </a:solidFill>
               </a:rPr>
               <a:t>Fixed Effects </a:t>
@@ -7721,8 +7800,8 @@
         </p:nvSpPr>
         <p:spPr>
           <a:xfrm>
-            <a:off x="481624" y="1725167"/>
-            <a:ext cx="3957045" cy="1015663"/>
+            <a:off x="482620" y="2177945"/>
+            <a:ext cx="4149537" cy="707886"/>
           </a:xfrm>
           <a:prstGeom prst="rect">
             <a:avLst/>
@@ -7730,7 +7809,7 @@
           <a:noFill/>
         </p:spPr>
         <p:txBody>
-          <a:bodyPr wrap="none" rtlCol="0">
+          <a:bodyPr wrap="square" rtlCol="0">
             <a:spAutoFit/>
           </a:bodyPr>
           <a:lstStyle/>
@@ -7741,28 +7820,26 @@
                   <a:schemeClr val="tx2"/>
                 </a:solidFill>
               </a:rPr>
-              <a:t>Accounts for the effects of </a:t>
-            </a:r>
-            <a:r>
-              <a:rPr lang="en-GB" sz="2000" b="1" dirty="0">
-                <a:solidFill>
-                  <a:srgbClr val="0070C0"/>
-                </a:solidFill>
-              </a:rPr>
-              <a:t>difficulty</a:t>
-            </a:r>
-          </a:p>
-          <a:p>
+              <a:t>Accounts for the </a:t>
+            </a:r>
             <a:r>
               <a:rPr lang="en-GB" sz="2000" dirty="0"/>
-              <a:t>- The difference in easy vs. hard</a:t>
-            </a:r>
-            <a:br>
+              <a:t>difference in easy vs. hard (</a:t>
+            </a:r>
+            <a:r>
+              <a:rPr lang="en-GB" sz="2000" dirty="0">
+                <a:solidFill>
+                  <a:schemeClr val="bg1">
+                    <a:lumMod val="50000"/>
+                  </a:schemeClr>
+                </a:solidFill>
+                <a:sym typeface="Wingdings" panose="05000000000000000000" pitchFamily="2" charset="2"/>
+              </a:rPr>
+              <a:t></a:t>
+            </a:r>
+            <a:r>
               <a:rPr lang="en-GB" sz="2000" dirty="0"/>
-            </a:br>
-            <a:r>
-              <a:rPr lang="en-GB" sz="2000" dirty="0"/>
-              <a:t>(grey circles)</a:t>
+              <a:t>) only</a:t>
             </a:r>
           </a:p>
         </p:txBody>
@@ -7781,8 +7858,8 @@
         </p:nvSpPr>
         <p:spPr>
           <a:xfrm>
-            <a:off x="481624" y="3280536"/>
-            <a:ext cx="5159830" cy="2862322"/>
+            <a:off x="481624" y="3382213"/>
+            <a:ext cx="5159830" cy="1938992"/>
           </a:xfrm>
           <a:prstGeom prst="rect">
             <a:avLst/>
@@ -7801,7 +7878,7 @@
                   <a:schemeClr val="tx2"/>
                 </a:solidFill>
               </a:rPr>
-              <a:t>BUT ignores the trends / dependencies in </a:t>
+              <a:t>BUT ignores the dependencies within</a:t>
             </a:r>
           </a:p>
           <a:p>
@@ -7838,71 +7915,6 @@
                 <a:schemeClr val="tx2"/>
               </a:solidFill>
             </a:endParaRPr>
-          </a:p>
-          <a:p>
-            <a:r>
-              <a:rPr lang="en-GB" sz="2000" dirty="0">
-                <a:solidFill>
-                  <a:schemeClr val="tx2"/>
-                </a:solidFill>
-              </a:rPr>
-              <a:t>A more realistic account of data involves</a:t>
-            </a:r>
-            <a:br>
-              <a:rPr lang="en-GB" sz="2000" dirty="0">
-                <a:solidFill>
-                  <a:schemeClr val="tx2"/>
-                </a:solidFill>
-              </a:rPr>
-            </a:br>
-            <a:r>
-              <a:rPr lang="en-GB" sz="2000" dirty="0">
-                <a:solidFill>
-                  <a:schemeClr val="tx2"/>
-                </a:solidFill>
-              </a:rPr>
-              <a:t>including </a:t>
-            </a:r>
-            <a:r>
-              <a:rPr lang="en-GB" sz="2000" b="1" dirty="0">
-                <a:solidFill>
-                  <a:srgbClr val="00B050"/>
-                </a:solidFill>
-              </a:rPr>
-              <a:t>Participant</a:t>
-            </a:r>
-            <a:r>
-              <a:rPr lang="en-GB" sz="2000" dirty="0">
-                <a:solidFill>
-                  <a:schemeClr val="tx2"/>
-                </a:solidFill>
-              </a:rPr>
-              <a:t> and </a:t>
-            </a:r>
-            <a:r>
-              <a:rPr lang="en-GB" sz="2000" b="1" dirty="0">
-                <a:solidFill>
-                  <a:srgbClr val="00B050"/>
-                </a:solidFill>
-              </a:rPr>
-              <a:t>Item</a:t>
-            </a:r>
-            <a:r>
-              <a:rPr lang="en-GB" sz="2000" dirty="0">
-                <a:solidFill>
-                  <a:schemeClr val="tx2"/>
-                </a:solidFill>
-              </a:rPr>
-              <a:t> as </a:t>
-            </a:r>
-            <a:r>
-              <a:rPr lang="en-GB" sz="2000" b="1" dirty="0">
-                <a:solidFill>
-                  <a:srgbClr val="00B050"/>
-                </a:solidFill>
-              </a:rPr>
-              <a:t>random effects</a:t>
-            </a:r>
           </a:p>
           <a:p>
             <a:endParaRPr lang="en-GB" sz="2000" dirty="0">
@@ -8045,55 +8057,6 @@
                       </p:childTnLst>
                     </p:cTn>
                   </p:par>
-                  <p:par>
-                    <p:cTn id="11" fill="hold">
-                      <p:stCondLst>
-                        <p:cond delay="indefinite"/>
-                      </p:stCondLst>
-                      <p:childTnLst>
-                        <p:par>
-                          <p:cTn id="12" fill="hold">
-                            <p:stCondLst>
-                              <p:cond delay="0"/>
-                            </p:stCondLst>
-                            <p:childTnLst>
-                              <p:par>
-                                <p:cTn id="13" presetID="1" presetClass="entr" presetSubtype="0" fill="hold" nodeType="clickEffect">
-                                  <p:stCondLst>
-                                    <p:cond delay="0"/>
-                                  </p:stCondLst>
-                                  <p:childTnLst>
-                                    <p:set>
-                                      <p:cBhvr>
-                                        <p:cTn id="14" dur="1" fill="hold">
-                                          <p:stCondLst>
-                                            <p:cond delay="0"/>
-                                          </p:stCondLst>
-                                        </p:cTn>
-                                        <p:tgtEl>
-                                          <p:spTgt spid="15">
-                                            <p:txEl>
-                                              <p:pRg st="4" end="4"/>
-                                            </p:txEl>
-                                          </p:spTgt>
-                                        </p:tgtEl>
-                                        <p:attrNameLst>
-                                          <p:attrName>style.visibility</p:attrName>
-                                        </p:attrNameLst>
-                                      </p:cBhvr>
-                                      <p:to>
-                                        <p:strVal val="visible"/>
-                                      </p:to>
-                                    </p:set>
-                                  </p:childTnLst>
-                                </p:cTn>
-                              </p:par>
-                            </p:childTnLst>
-                          </p:cTn>
-                        </p:par>
-                      </p:childTnLst>
-                    </p:cTn>
-                  </p:par>
                 </p:childTnLst>
               </p:cTn>
               <p:prevCondLst>
@@ -8322,7 +8285,7 @@
         <p:spPr>
           <a:xfrm>
             <a:off x="444725" y="2143955"/>
-            <a:ext cx="5298831" cy="1877437"/>
+            <a:ext cx="5298831" cy="1107996"/>
           </a:xfrm>
           <a:prstGeom prst="rect">
             <a:avLst/>
@@ -8336,15 +8299,15 @@
           <a:lstStyle/>
           <a:p>
             <a:r>
-              <a:rPr lang="en-GB" sz="2400" dirty="0">
+              <a:rPr lang="en-GB" sz="2200" dirty="0">
                 <a:solidFill>
                   <a:schemeClr val="tx2"/>
                 </a:solidFill>
               </a:rPr>
-              <a:t>In addition to the fixed effect, each </a:t>
-            </a:r>
-            <a:r>
-              <a:rPr lang="en-GB" sz="2400" b="1" dirty="0">
+              <a:t>Each </a:t>
+            </a:r>
+            <a:r>
+              <a:rPr lang="en-GB" sz="2200" b="1" dirty="0">
                 <a:solidFill>
                   <a:srgbClr val="00B050"/>
                 </a:solidFill>
@@ -8352,7 +8315,7 @@
               <a:t>participant</a:t>
             </a:r>
             <a:r>
-              <a:rPr lang="en-GB" sz="2400" dirty="0">
+              <a:rPr lang="en-GB" sz="2200" dirty="0">
                 <a:solidFill>
                   <a:schemeClr val="tx2"/>
                 </a:solidFill>
@@ -8361,7 +8324,7 @@
             </a:r>
           </a:p>
           <a:p>
-            <a:endParaRPr lang="en-GB" sz="2400" b="1" dirty="0">
+            <a:endParaRPr lang="en-GB" sz="2200" b="1" dirty="0">
               <a:solidFill>
                 <a:schemeClr val="tx2"/>
               </a:solidFill>
@@ -8369,7 +8332,7 @@
           </a:p>
           <a:p>
             <a:r>
-              <a:rPr lang="en-GB" sz="2400" b="1" dirty="0">
+              <a:rPr lang="en-GB" sz="2200" b="1" dirty="0">
                 <a:solidFill>
                   <a:srgbClr val="00B050"/>
                 </a:solidFill>
@@ -8377,7 +8340,7 @@
               <a:t>Participant</a:t>
             </a:r>
             <a:r>
-              <a:rPr lang="en-GB" sz="2400" b="1" dirty="0">
+              <a:rPr lang="en-GB" sz="2200" b="1" dirty="0">
                 <a:solidFill>
                   <a:schemeClr val="tx2"/>
                 </a:solidFill>
@@ -8385,7 +8348,7 @@
               <a:t> </a:t>
             </a:r>
             <a:r>
-              <a:rPr lang="en-GB" sz="2400" dirty="0">
+              <a:rPr lang="en-GB" sz="2200" dirty="0">
                 <a:solidFill>
                   <a:schemeClr val="tx2"/>
                 </a:solidFill>
@@ -8393,47 +8356,13 @@
               <a:t>1 is </a:t>
             </a:r>
             <a:r>
-              <a:rPr lang="en-GB" sz="2400" i="1" dirty="0">
+              <a:rPr lang="en-GB" sz="2200" i="1" dirty="0">
                 <a:solidFill>
                   <a:schemeClr val="tx2"/>
                 </a:solidFill>
               </a:rPr>
               <a:t>slower</a:t>
             </a:r>
-            <a:r>
-              <a:rPr lang="en-GB" sz="2400" dirty="0">
-                <a:solidFill>
-                  <a:schemeClr val="tx2"/>
-                </a:solidFill>
-              </a:rPr>
-              <a:t> than </a:t>
-            </a:r>
-            <a:r>
-              <a:rPr lang="en-GB" sz="2400" b="1" dirty="0">
-                <a:solidFill>
-                  <a:srgbClr val="00B050"/>
-                </a:solidFill>
-              </a:rPr>
-              <a:t>Participant</a:t>
-            </a:r>
-            <a:r>
-              <a:rPr lang="en-GB" sz="2400" b="1" dirty="0">
-                <a:solidFill>
-                  <a:schemeClr val="tx2"/>
-                </a:solidFill>
-              </a:rPr>
-              <a:t> </a:t>
-            </a:r>
-            <a:r>
-              <a:rPr lang="en-GB" sz="2400" dirty="0">
-                <a:solidFill>
-                  <a:schemeClr val="tx2"/>
-                </a:solidFill>
-              </a:rPr>
-              <a:t>2</a:t>
-            </a:r>
-          </a:p>
-          <a:p>
             <a:endParaRPr lang="en-GB" sz="2000" dirty="0"/>
           </a:p>
         </p:txBody>
@@ -9089,7 +9018,7 @@
         <p:spPr>
           <a:xfrm>
             <a:off x="609600" y="2299748"/>
-            <a:ext cx="4755159" cy="1508105"/>
+            <a:ext cx="4755159" cy="1569660"/>
           </a:xfrm>
           <a:prstGeom prst="rect">
             <a:avLst/>
@@ -9132,7 +9061,7 @@
                   <a:schemeClr val="tx2"/>
                 </a:solidFill>
               </a:rPr>
-              <a:t> now has its own mean RT </a:t>
+              <a:t> now also has its own mean RT </a:t>
             </a:r>
           </a:p>
           <a:p>
@@ -9165,26 +9094,8 @@
                   <a:schemeClr val="tx2"/>
                 </a:solidFill>
               </a:rPr>
-              <a:t> 2 are slower than </a:t>
-            </a:r>
-            <a:r>
-              <a:rPr lang="en-GB" sz="2400" dirty="0">
-                <a:solidFill>
-                  <a:srgbClr val="00B050"/>
-                </a:solidFill>
-              </a:rPr>
-              <a:t>Item</a:t>
-            </a:r>
-            <a:r>
-              <a:rPr lang="en-GB" sz="2400" dirty="0">
-                <a:solidFill>
-                  <a:schemeClr val="tx2"/>
-                </a:solidFill>
-              </a:rPr>
-              <a:t> 1</a:t>
-            </a:r>
-          </a:p>
-          <a:p>
+              <a:t> 2 are slower</a:t>
+            </a:r>
             <a:endParaRPr lang="en-GB" sz="2000" dirty="0"/>
           </a:p>
         </p:txBody>
@@ -10010,8 +9921,8 @@
         </p:nvSpPr>
         <p:spPr>
           <a:xfrm>
-            <a:off x="609600" y="1343759"/>
-            <a:ext cx="4833438" cy="3724096"/>
+            <a:off x="723753" y="1387834"/>
+            <a:ext cx="4833438" cy="2246769"/>
           </a:xfrm>
           <a:prstGeom prst="rect">
             <a:avLst/>
@@ -10024,48 +9935,6 @@
           </a:bodyPr>
           <a:lstStyle/>
           <a:p>
-            <a:r>
-              <a:rPr lang="en-GB" sz="2400" dirty="0">
-                <a:solidFill>
-                  <a:schemeClr val="tx2"/>
-                </a:solidFill>
-              </a:rPr>
-              <a:t>Each </a:t>
-            </a:r>
-            <a:r>
-              <a:rPr lang="en-GB" sz="2400" b="1" dirty="0">
-                <a:solidFill>
-                  <a:srgbClr val="00B050"/>
-                </a:solidFill>
-              </a:rPr>
-              <a:t>participant</a:t>
-            </a:r>
-            <a:r>
-              <a:rPr lang="en-GB" sz="2400" dirty="0">
-                <a:solidFill>
-                  <a:schemeClr val="tx2"/>
-                </a:solidFill>
-              </a:rPr>
-              <a:t> has their own mean RT (</a:t>
-            </a:r>
-            <a:r>
-              <a:rPr lang="en-GB" sz="2400" dirty="0">
-                <a:solidFill>
-                  <a:srgbClr val="00B050"/>
-                </a:solidFill>
-              </a:rPr>
-              <a:t>random intercepts</a:t>
-            </a:r>
-            <a:r>
-              <a:rPr lang="en-GB" sz="2400" dirty="0">
-                <a:solidFill>
-                  <a:schemeClr val="tx2"/>
-                </a:solidFill>
-              </a:rPr>
-              <a:t>) </a:t>
-            </a:r>
-          </a:p>
-          <a:p>
             <a:endParaRPr lang="en-GB" sz="2400" b="1" dirty="0">
               <a:solidFill>
                 <a:schemeClr val="tx2"/>
@@ -10076,13 +9945,27 @@
             <a:r>
               <a:rPr lang="en-GB" sz="2400" b="1" dirty="0">
                 <a:solidFill>
+                  <a:srgbClr val="00B050"/>
+                </a:solidFill>
+              </a:rPr>
+              <a:t>Random</a:t>
+            </a:r>
+            <a:r>
+              <a:rPr lang="en-GB" sz="2400" b="1" dirty="0">
+                <a:solidFill>
                   <a:schemeClr val="tx2"/>
                 </a:solidFill>
               </a:rPr>
-              <a:t>BUT ALSO</a:t>
-            </a:r>
-          </a:p>
-          <a:p>
+              <a:t> </a:t>
+            </a:r>
+            <a:r>
+              <a:rPr lang="en-GB" sz="2400" b="1" dirty="0">
+                <a:solidFill>
+                  <a:srgbClr val="00B050"/>
+                </a:solidFill>
+              </a:rPr>
+              <a:t>slopes</a:t>
+            </a:r>
             <a:endParaRPr lang="en-GB" sz="2400" b="1" dirty="0">
               <a:solidFill>
                 <a:schemeClr val="tx2"/>
@@ -10096,84 +9979,46 @@
                   <a:schemeClr val="tx2"/>
                 </a:solidFill>
               </a:rPr>
-              <a:t>The </a:t>
+              <a:t>The fixed effect of difficulty can be </a:t>
+            </a:r>
+            <a:r>
+              <a:rPr lang="en-GB" sz="2400" i="1" dirty="0">
+                <a:solidFill>
+                  <a:schemeClr val="tx2"/>
+                </a:solidFill>
+              </a:rPr>
+              <a:t>different</a:t>
+            </a:r>
+            <a:r>
+              <a:rPr lang="en-GB" sz="2400" dirty="0">
+                <a:solidFill>
+                  <a:schemeClr val="tx2"/>
+                </a:solidFill>
+              </a:rPr>
+              <a:t> for each </a:t>
             </a:r>
             <a:r>
               <a:rPr lang="en-GB" sz="2400" b="1" dirty="0">
                 <a:solidFill>
-                  <a:schemeClr val="tx2">
-                    <a:lumMod val="60000"/>
-                    <a:lumOff val="40000"/>
-                  </a:schemeClr>
-                </a:solidFill>
-              </a:rPr>
-              <a:t>fixed effect </a:t>
-            </a:r>
+                  <a:srgbClr val="00B050"/>
+                </a:solidFill>
+              </a:rPr>
+              <a:t>participant</a:t>
+            </a:r>
+            <a:endParaRPr lang="en-GB" sz="2400" dirty="0">
+              <a:solidFill>
+                <a:schemeClr val="tx2"/>
+              </a:solidFill>
+            </a:endParaRPr>
+          </a:p>
+          <a:p>
             <a:r>
               <a:rPr lang="en-GB" sz="2400" dirty="0">
                 <a:solidFill>
                   <a:schemeClr val="tx2"/>
                 </a:solidFill>
               </a:rPr>
-              <a:t>(of difficulty) can be </a:t>
-            </a:r>
-            <a:r>
-              <a:rPr lang="en-GB" sz="2400" i="1" dirty="0">
-                <a:solidFill>
-                  <a:schemeClr val="tx2"/>
-                </a:solidFill>
-              </a:rPr>
-              <a:t>different</a:t>
-            </a:r>
-            <a:r>
-              <a:rPr lang="en-GB" sz="2400" dirty="0">
-                <a:solidFill>
-                  <a:schemeClr val="tx2"/>
-                </a:solidFill>
-              </a:rPr>
-              <a:t> for each </a:t>
-            </a:r>
-            <a:r>
-              <a:rPr lang="en-GB" sz="2400" b="1" dirty="0">
-                <a:solidFill>
-                  <a:srgbClr val="00B050"/>
-                </a:solidFill>
-              </a:rPr>
-              <a:t>participant</a:t>
-            </a:r>
-            <a:r>
-              <a:rPr lang="en-GB" sz="2400" dirty="0">
-                <a:solidFill>
-                  <a:schemeClr val="tx2"/>
-                </a:solidFill>
-              </a:rPr>
-              <a:t> (</a:t>
-            </a:r>
-            <a:r>
-              <a:rPr lang="en-GB" sz="2400" dirty="0">
-                <a:solidFill>
-                  <a:srgbClr val="00B050"/>
-                </a:solidFill>
-              </a:rPr>
-              <a:t>random slopes</a:t>
-            </a:r>
-            <a:r>
-              <a:rPr lang="en-GB" sz="2400" dirty="0">
-                <a:solidFill>
-                  <a:schemeClr val="tx2"/>
-                </a:solidFill>
-              </a:rPr>
-              <a:t>)</a:t>
-            </a:r>
-          </a:p>
-          <a:p>
-            <a:r>
-              <a:rPr lang="en-GB" sz="2400" dirty="0">
-                <a:solidFill>
-                  <a:schemeClr val="tx2"/>
-                </a:solidFill>
-              </a:rPr>
-              <a:t>- Smaller for Participant 1 vs. 2</a:t>
+              <a:t>e.g., smaller for Participant 2</a:t>
             </a:r>
           </a:p>
           <a:p>
@@ -10559,7 +10404,7 @@
                                         <p:tgtEl>
                                           <p:spTgt spid="14">
                                             <p:txEl>
-                                              <p:pRg st="0" end="0"/>
+                                              <p:pRg st="1" end="1"/>
                                             </p:txEl>
                                           </p:spTgt>
                                         </p:tgtEl>
@@ -10574,15 +10419,33 @@
                                   </p:childTnLst>
                                 </p:cTn>
                               </p:par>
+                            </p:childTnLst>
+                          </p:cTn>
+                        </p:par>
+                      </p:childTnLst>
+                    </p:cTn>
+                  </p:par>
+                  <p:par>
+                    <p:cTn id="7" fill="hold">
+                      <p:stCondLst>
+                        <p:cond delay="indefinite"/>
+                      </p:stCondLst>
+                      <p:childTnLst>
+                        <p:par>
+                          <p:cTn id="8" fill="hold">
+                            <p:stCondLst>
+                              <p:cond delay="0"/>
+                            </p:stCondLst>
+                            <p:childTnLst>
                               <p:par>
-                                <p:cTn id="7" presetID="1" presetClass="entr" presetSubtype="0" fill="hold" nodeType="withEffect">
+                                <p:cTn id="9" presetID="1" presetClass="entr" presetSubtype="0" fill="hold" nodeType="clickEffect">
                                   <p:stCondLst>
                                     <p:cond delay="0"/>
                                   </p:stCondLst>
                                   <p:childTnLst>
                                     <p:set>
                                       <p:cBhvr>
-                                        <p:cTn id="8" dur="1" fill="hold">
+                                        <p:cTn id="10" dur="1" fill="hold">
                                           <p:stCondLst>
                                             <p:cond delay="0"/>
                                           </p:stCondLst>
@@ -10612,50 +10475,19 @@
                     </p:cTn>
                   </p:par>
                   <p:par>
-                    <p:cTn id="9" fill="hold">
+                    <p:cTn id="11" fill="hold">
                       <p:stCondLst>
                         <p:cond delay="indefinite"/>
                       </p:stCondLst>
                       <p:childTnLst>
                         <p:par>
-                          <p:cTn id="10" fill="hold">
+                          <p:cTn id="12" fill="hold">
                             <p:stCondLst>
                               <p:cond delay="0"/>
                             </p:stCondLst>
                             <p:childTnLst>
                               <p:par>
-                                <p:cTn id="11" presetID="1" presetClass="entr" presetSubtype="0" fill="hold" nodeType="clickEffect">
-                                  <p:stCondLst>
-                                    <p:cond delay="0"/>
-                                  </p:stCondLst>
-                                  <p:childTnLst>
-                                    <p:set>
-                                      <p:cBhvr>
-                                        <p:cTn id="12" dur="1" fill="hold">
-                                          <p:stCondLst>
-                                            <p:cond delay="0"/>
-                                          </p:stCondLst>
-                                        </p:cTn>
-                                        <p:tgtEl>
-                                          <p:spTgt spid="14">
-                                            <p:txEl>
-                                              <p:pRg st="4" end="4"/>
-                                            </p:txEl>
-                                          </p:spTgt>
-                                        </p:tgtEl>
-                                        <p:attrNameLst>
-                                          <p:attrName>style.visibility</p:attrName>
-                                        </p:attrNameLst>
-                                      </p:cBhvr>
-                                      <p:to>
-                                        <p:strVal val="visible"/>
-                                      </p:to>
-                                    </p:set>
-                                  </p:childTnLst>
-                                </p:cTn>
-                              </p:par>
-                              <p:par>
-                                <p:cTn id="13" presetID="1" presetClass="entr" presetSubtype="0" fill="hold" nodeType="withEffect">
+                                <p:cTn id="13" presetID="1" presetClass="entr" presetSubtype="0" fill="hold" nodeType="clickEffect">
                                   <p:stCondLst>
                                     <p:cond delay="0"/>
                                   </p:stCondLst>
@@ -10670,7 +10502,7 @@
                                         <p:tgtEl>
                                           <p:spTgt spid="14">
                                             <p:txEl>
-                                              <p:pRg st="5" end="5"/>
+                                              <p:pRg st="3" end="3"/>
                                             </p:txEl>
                                           </p:spTgt>
                                         </p:tgtEl>
@@ -11200,182 +11032,6 @@
           </a:prstGeom>
         </p:spPr>
       </p:pic>
-      <p:sp>
-        <p:nvSpPr>
-          <p:cNvPr id="14" name="TextBox 13">
-            <a:extLst>
-              <a:ext uri="{FF2B5EF4-FFF2-40B4-BE49-F238E27FC236}">
-                <a16:creationId xmlns:a16="http://schemas.microsoft.com/office/drawing/2014/main" id="{17DEEDE7-5EF6-66FC-578F-8D372C0689F7}"/>
-              </a:ext>
-            </a:extLst>
-          </p:cNvPr>
-          <p:cNvSpPr txBox="1"/>
-          <p:nvPr/>
-        </p:nvSpPr>
-        <p:spPr>
-          <a:xfrm>
-            <a:off x="609600" y="1417638"/>
-            <a:ext cx="4755159" cy="4093428"/>
-          </a:xfrm>
-          <a:prstGeom prst="rect">
-            <a:avLst/>
-          </a:prstGeom>
-          <a:noFill/>
-        </p:spPr>
-        <p:txBody>
-          <a:bodyPr wrap="square" rtlCol="0">
-            <a:spAutoFit/>
-          </a:bodyPr>
-          <a:lstStyle/>
-          <a:p>
-            <a:r>
-              <a:rPr lang="en-GB" sz="2400" dirty="0">
-                <a:solidFill>
-                  <a:schemeClr val="tx2"/>
-                </a:solidFill>
-              </a:rPr>
-              <a:t>Again, each </a:t>
-            </a:r>
-            <a:r>
-              <a:rPr lang="en-GB" sz="2400" b="1" dirty="0">
-                <a:solidFill>
-                  <a:srgbClr val="00B050"/>
-                </a:solidFill>
-              </a:rPr>
-              <a:t>item</a:t>
-            </a:r>
-            <a:r>
-              <a:rPr lang="en-GB" sz="2400" dirty="0">
-                <a:solidFill>
-                  <a:schemeClr val="tx2"/>
-                </a:solidFill>
-              </a:rPr>
-              <a:t> now has its own mean RT (</a:t>
-            </a:r>
-            <a:r>
-              <a:rPr lang="en-GB" sz="2400" dirty="0">
-                <a:solidFill>
-                  <a:srgbClr val="00B050"/>
-                </a:solidFill>
-              </a:rPr>
-              <a:t>random intercepts</a:t>
-            </a:r>
-            <a:r>
-              <a:rPr lang="en-GB" sz="2400" dirty="0">
-                <a:solidFill>
-                  <a:schemeClr val="tx2"/>
-                </a:solidFill>
-              </a:rPr>
-              <a:t>)</a:t>
-            </a:r>
-          </a:p>
-          <a:p>
-            <a:endParaRPr lang="en-GB" sz="2400" b="1" dirty="0">
-              <a:solidFill>
-                <a:schemeClr val="tx2"/>
-              </a:solidFill>
-            </a:endParaRPr>
-          </a:p>
-          <a:p>
-            <a:r>
-              <a:rPr lang="en-GB" sz="2400" b="1" dirty="0">
-                <a:solidFill>
-                  <a:schemeClr val="tx2"/>
-                </a:solidFill>
-              </a:rPr>
-              <a:t>BUT ALSO </a:t>
-            </a:r>
-          </a:p>
-          <a:p>
-            <a:endParaRPr lang="en-GB" sz="2400" b="1" dirty="0">
-              <a:solidFill>
-                <a:schemeClr val="tx2"/>
-              </a:solidFill>
-            </a:endParaRPr>
-          </a:p>
-          <a:p>
-            <a:r>
-              <a:rPr lang="en-GB" sz="2400" dirty="0">
-                <a:solidFill>
-                  <a:schemeClr val="tx2"/>
-                </a:solidFill>
-              </a:rPr>
-              <a:t>The fixed effect (of difficulty) is now different for each </a:t>
-            </a:r>
-            <a:r>
-              <a:rPr lang="en-GB" sz="2400" b="1" dirty="0">
-                <a:solidFill>
-                  <a:srgbClr val="00B050"/>
-                </a:solidFill>
-              </a:rPr>
-              <a:t>item</a:t>
-            </a:r>
-            <a:br>
-              <a:rPr lang="en-GB" sz="2400" dirty="0">
-                <a:solidFill>
-                  <a:srgbClr val="00B0F0"/>
-                </a:solidFill>
-              </a:rPr>
-            </a:br>
-            <a:r>
-              <a:rPr lang="en-GB" sz="2400" dirty="0">
-                <a:solidFill>
-                  <a:schemeClr val="tx2"/>
-                </a:solidFill>
-              </a:rPr>
-              <a:t>(</a:t>
-            </a:r>
-            <a:r>
-              <a:rPr lang="en-GB" sz="2400" dirty="0">
-                <a:solidFill>
-                  <a:srgbClr val="00B050"/>
-                </a:solidFill>
-              </a:rPr>
-              <a:t>random slopes</a:t>
-            </a:r>
-            <a:r>
-              <a:rPr lang="en-GB" sz="2400" dirty="0">
-                <a:solidFill>
-                  <a:schemeClr val="tx2"/>
-                </a:solidFill>
-              </a:rPr>
-              <a:t>)</a:t>
-            </a:r>
-          </a:p>
-          <a:p>
-            <a:pPr marL="342900" indent="-342900">
-              <a:buFontTx/>
-              <a:buChar char="-"/>
-            </a:pPr>
-            <a:r>
-              <a:rPr lang="en-GB" sz="2400" dirty="0">
-                <a:solidFill>
-                  <a:schemeClr val="tx2"/>
-                </a:solidFill>
-              </a:rPr>
-              <a:t>Difficulty has a smaller effect on </a:t>
-            </a:r>
-            <a:br>
-              <a:rPr lang="en-GB" sz="2400" dirty="0">
-                <a:solidFill>
-                  <a:schemeClr val="tx2"/>
-                </a:solidFill>
-              </a:rPr>
-            </a:br>
-            <a:r>
-              <a:rPr lang="en-GB" sz="2400" dirty="0">
-                <a:solidFill>
-                  <a:schemeClr val="tx2"/>
-                </a:solidFill>
-              </a:rPr>
-              <a:t>Item 2 vs. 1</a:t>
-            </a:r>
-          </a:p>
-          <a:p>
-            <a:endParaRPr lang="en-GB" sz="2000" dirty="0"/>
-          </a:p>
-        </p:txBody>
-      </p:sp>
       <p:pic>
         <p:nvPicPr>
           <p:cNvPr id="6" name="Picture 5">
@@ -11586,6 +11242,125 @@
           </a:fontRef>
         </p:style>
       </p:cxnSp>
+      <p:sp>
+        <p:nvSpPr>
+          <p:cNvPr id="3" name="TextBox 2">
+            <a:extLst>
+              <a:ext uri="{FF2B5EF4-FFF2-40B4-BE49-F238E27FC236}">
+                <a16:creationId xmlns:a16="http://schemas.microsoft.com/office/drawing/2014/main" id="{227E9439-DDB5-2998-10D0-0BC554FF9EC5}"/>
+              </a:ext>
+            </a:extLst>
+          </p:cNvPr>
+          <p:cNvSpPr txBox="1"/>
+          <p:nvPr/>
+        </p:nvSpPr>
+        <p:spPr>
+          <a:xfrm>
+            <a:off x="599865" y="1417638"/>
+            <a:ext cx="4833438" cy="2246769"/>
+          </a:xfrm>
+          <a:prstGeom prst="rect">
+            <a:avLst/>
+          </a:prstGeom>
+          <a:noFill/>
+        </p:spPr>
+        <p:txBody>
+          <a:bodyPr wrap="square" rtlCol="0">
+            <a:spAutoFit/>
+          </a:bodyPr>
+          <a:lstStyle/>
+          <a:p>
+            <a:endParaRPr lang="en-GB" sz="2400" b="1" dirty="0">
+              <a:solidFill>
+                <a:schemeClr val="tx2"/>
+              </a:solidFill>
+            </a:endParaRPr>
+          </a:p>
+          <a:p>
+            <a:r>
+              <a:rPr lang="en-GB" sz="2400" b="1" dirty="0">
+                <a:solidFill>
+                  <a:srgbClr val="00B050"/>
+                </a:solidFill>
+              </a:rPr>
+              <a:t>Random</a:t>
+            </a:r>
+            <a:r>
+              <a:rPr lang="en-GB" sz="2400" b="1" dirty="0">
+                <a:solidFill>
+                  <a:schemeClr val="tx2"/>
+                </a:solidFill>
+              </a:rPr>
+              <a:t> </a:t>
+            </a:r>
+            <a:r>
+              <a:rPr lang="en-GB" sz="2400" b="1" dirty="0">
+                <a:solidFill>
+                  <a:srgbClr val="00B050"/>
+                </a:solidFill>
+              </a:rPr>
+              <a:t>slopes</a:t>
+            </a:r>
+            <a:endParaRPr lang="en-GB" sz="2400" b="1" dirty="0">
+              <a:solidFill>
+                <a:schemeClr val="tx2"/>
+              </a:solidFill>
+            </a:endParaRPr>
+          </a:p>
+          <a:p>
+            <a:r>
+              <a:rPr lang="en-GB" sz="2400" dirty="0">
+                <a:solidFill>
+                  <a:schemeClr val="tx2"/>
+                </a:solidFill>
+              </a:rPr>
+              <a:t>The fixed effect of difficulty can be </a:t>
+            </a:r>
+            <a:r>
+              <a:rPr lang="en-GB" sz="2400" i="1" dirty="0">
+                <a:solidFill>
+                  <a:schemeClr val="tx2"/>
+                </a:solidFill>
+              </a:rPr>
+              <a:t>different</a:t>
+            </a:r>
+            <a:r>
+              <a:rPr lang="en-GB" sz="2400" dirty="0">
+                <a:solidFill>
+                  <a:schemeClr val="tx2"/>
+                </a:solidFill>
+              </a:rPr>
+              <a:t> for each </a:t>
+            </a:r>
+            <a:r>
+              <a:rPr lang="en-GB" sz="2400" b="1" dirty="0">
+                <a:solidFill>
+                  <a:srgbClr val="00B050"/>
+                </a:solidFill>
+              </a:rPr>
+              <a:t>item</a:t>
+            </a:r>
+            <a:endParaRPr lang="en-GB" sz="2400" dirty="0">
+              <a:solidFill>
+                <a:schemeClr val="tx2"/>
+              </a:solidFill>
+            </a:endParaRPr>
+          </a:p>
+          <a:p>
+            <a:r>
+              <a:rPr lang="en-GB" sz="2400" dirty="0">
+                <a:solidFill>
+                  <a:schemeClr val="tx2"/>
+                </a:solidFill>
+              </a:rPr>
+              <a:t>e.g., smaller for Item 2</a:t>
+            </a:r>
+          </a:p>
+          <a:p>
+            <a:endParaRPr lang="en-GB" sz="2000" dirty="0"/>
+          </a:p>
+        </p:txBody>
+      </p:sp>
     </p:spTree>
     <p:extLst>
       <p:ext uri="{BB962C8B-B14F-4D97-AF65-F5344CB8AC3E}">
@@ -11630,9 +11405,9 @@
                                           </p:stCondLst>
                                         </p:cTn>
                                         <p:tgtEl>
-                                          <p:spTgt spid="14">
+                                          <p:spTgt spid="3">
                                             <p:txEl>
-                                              <p:pRg st="0" end="0"/>
+                                              <p:pRg st="1" end="1"/>
                                             </p:txEl>
                                           </p:spTgt>
                                         </p:tgtEl>
@@ -11647,21 +11422,39 @@
                                   </p:childTnLst>
                                 </p:cTn>
                               </p:par>
+                            </p:childTnLst>
+                          </p:cTn>
+                        </p:par>
+                      </p:childTnLst>
+                    </p:cTn>
+                  </p:par>
+                  <p:par>
+                    <p:cTn id="7" fill="hold">
+                      <p:stCondLst>
+                        <p:cond delay="indefinite"/>
+                      </p:stCondLst>
+                      <p:childTnLst>
+                        <p:par>
+                          <p:cTn id="8" fill="hold">
+                            <p:stCondLst>
+                              <p:cond delay="0"/>
+                            </p:stCondLst>
+                            <p:childTnLst>
                               <p:par>
-                                <p:cTn id="7" presetID="1" presetClass="entr" presetSubtype="0" fill="hold" nodeType="withEffect">
+                                <p:cTn id="9" presetID="1" presetClass="entr" presetSubtype="0" fill="hold" nodeType="clickEffect">
                                   <p:stCondLst>
                                     <p:cond delay="0"/>
                                   </p:stCondLst>
                                   <p:childTnLst>
                                     <p:set>
                                       <p:cBhvr>
-                                        <p:cTn id="8" dur="1" fill="hold">
+                                        <p:cTn id="10" dur="1" fill="hold">
                                           <p:stCondLst>
                                             <p:cond delay="0"/>
                                           </p:stCondLst>
                                         </p:cTn>
                                         <p:tgtEl>
-                                          <p:spTgt spid="14">
+                                          <p:spTgt spid="3">
                                             <p:txEl>
                                               <p:pRg st="2" end="2"/>
                                             </p:txEl>
@@ -11685,50 +11478,19 @@
                     </p:cTn>
                   </p:par>
                   <p:par>
-                    <p:cTn id="9" fill="hold">
+                    <p:cTn id="11" fill="hold">
                       <p:stCondLst>
                         <p:cond delay="indefinite"/>
                       </p:stCondLst>
                       <p:childTnLst>
                         <p:par>
-                          <p:cTn id="10" fill="hold">
+                          <p:cTn id="12" fill="hold">
                             <p:stCondLst>
                               <p:cond delay="0"/>
                             </p:stCondLst>
                             <p:childTnLst>
                               <p:par>
-                                <p:cTn id="11" presetID="1" presetClass="entr" presetSubtype="0" fill="hold" nodeType="clickEffect">
-                                  <p:stCondLst>
-                                    <p:cond delay="0"/>
-                                  </p:stCondLst>
-                                  <p:childTnLst>
-                                    <p:set>
-                                      <p:cBhvr>
-                                        <p:cTn id="12" dur="1" fill="hold">
-                                          <p:stCondLst>
-                                            <p:cond delay="0"/>
-                                          </p:stCondLst>
-                                        </p:cTn>
-                                        <p:tgtEl>
-                                          <p:spTgt spid="14">
-                                            <p:txEl>
-                                              <p:pRg st="4" end="4"/>
-                                            </p:txEl>
-                                          </p:spTgt>
-                                        </p:tgtEl>
-                                        <p:attrNameLst>
-                                          <p:attrName>style.visibility</p:attrName>
-                                        </p:attrNameLst>
-                                      </p:cBhvr>
-                                      <p:to>
-                                        <p:strVal val="visible"/>
-                                      </p:to>
-                                    </p:set>
-                                  </p:childTnLst>
-                                </p:cTn>
-                              </p:par>
-                              <p:par>
-                                <p:cTn id="13" presetID="1" presetClass="entr" presetSubtype="0" fill="hold" nodeType="withEffect">
+                                <p:cTn id="13" presetID="1" presetClass="entr" presetSubtype="0" fill="hold" nodeType="clickEffect">
                                   <p:stCondLst>
                                     <p:cond delay="0"/>
                                   </p:stCondLst>
@@ -11741,9 +11503,9 @@
                                           </p:stCondLst>
                                         </p:cTn>
                                         <p:tgtEl>
-                                          <p:spTgt spid="14">
+                                          <p:spTgt spid="3">
                                             <p:txEl>
-                                              <p:pRg st="5" end="5"/>
+                                              <p:pRg st="3" end="3"/>
                                             </p:txEl>
                                           </p:spTgt>
                                         </p:tgtEl>
@@ -12332,8 +12094,8 @@
         </p:nvSpPr>
         <p:spPr>
           <a:xfrm>
-            <a:off x="609600" y="1821511"/>
-            <a:ext cx="4755159" cy="3170099"/>
+            <a:off x="609600" y="2423090"/>
+            <a:ext cx="5107730" cy="1754326"/>
           </a:xfrm>
           <a:prstGeom prst="rect">
             <a:avLst/>
@@ -12346,52 +12108,6 @@
           </a:bodyPr>
           <a:lstStyle/>
           <a:p>
-            <a:r>
-              <a:rPr lang="en-GB" sz="2000" dirty="0">
-                <a:solidFill>
-                  <a:schemeClr val="tx2"/>
-                </a:solidFill>
-              </a:rPr>
-              <a:t>Each </a:t>
-            </a:r>
-            <a:r>
-              <a:rPr lang="en-GB" sz="2000" dirty="0">
-                <a:solidFill>
-                  <a:srgbClr val="00B050"/>
-                </a:solidFill>
-              </a:rPr>
-              <a:t>participant</a:t>
-            </a:r>
-            <a:r>
-              <a:rPr lang="en-GB" sz="2000" dirty="0">
-                <a:solidFill>
-                  <a:schemeClr val="tx2"/>
-                </a:solidFill>
-              </a:rPr>
-              <a:t> AND </a:t>
-            </a:r>
-            <a:r>
-              <a:rPr lang="en-GB" sz="2000" dirty="0">
-                <a:solidFill>
-                  <a:srgbClr val="00B050"/>
-                </a:solidFill>
-              </a:rPr>
-              <a:t>item</a:t>
-            </a:r>
-            <a:r>
-              <a:rPr lang="en-GB" sz="2000" dirty="0">
-                <a:solidFill>
-                  <a:schemeClr val="tx2"/>
-                </a:solidFill>
-              </a:rPr>
-              <a:t> now has its own mean RT (random intercepts)</a:t>
-            </a:r>
-          </a:p>
-          <a:p>
-            <a:pPr marL="342900" indent="-342900">
-              <a:buFontTx/>
-              <a:buChar char="-"/>
-            </a:pPr>
             <a:endParaRPr lang="en-GB" sz="2000" b="1" dirty="0">
               <a:solidFill>
                 <a:schemeClr val="tx2"/>
@@ -12400,62 +12116,58 @@
           </a:p>
           <a:p>
             <a:r>
-              <a:rPr lang="en-GB" sz="2000" b="1" dirty="0">
+              <a:rPr lang="en-GB" sz="2400" dirty="0">
                 <a:solidFill>
                   <a:schemeClr val="tx2"/>
                 </a:solidFill>
               </a:rPr>
-              <a:t>AND </a:t>
-            </a:r>
-          </a:p>
-          <a:p>
-            <a:endParaRPr lang="en-GB" sz="2000" b="1" dirty="0">
+              <a:t>The fixed effect of difficulty is different for each </a:t>
+            </a:r>
+            <a:r>
+              <a:rPr lang="en-GB" sz="2400" dirty="0">
+                <a:solidFill>
+                  <a:srgbClr val="00B050"/>
+                </a:solidFill>
+              </a:rPr>
+              <a:t>participant</a:t>
+            </a:r>
+            <a:r>
+              <a:rPr lang="en-GB" sz="2400" dirty="0">
+                <a:solidFill>
+                  <a:schemeClr val="tx2"/>
+                </a:solidFill>
+              </a:rPr>
+              <a:t> </a:t>
+            </a:r>
+            <a:r>
+              <a:rPr lang="en-GB" sz="2400" u="sng" dirty="0">
+                <a:solidFill>
+                  <a:schemeClr val="tx2"/>
+                </a:solidFill>
+              </a:rPr>
+              <a:t>AND</a:t>
+            </a:r>
+            <a:r>
+              <a:rPr lang="en-GB" sz="2400" dirty="0">
+                <a:solidFill>
+                  <a:schemeClr val="tx2"/>
+                </a:solidFill>
+              </a:rPr>
+              <a:t> </a:t>
+            </a:r>
+            <a:r>
+              <a:rPr lang="en-GB" sz="2400" dirty="0">
+                <a:solidFill>
+                  <a:srgbClr val="00B050"/>
+                </a:solidFill>
+              </a:rPr>
+              <a:t>item</a:t>
+            </a:r>
+            <a:endParaRPr lang="en-GB" sz="2400" dirty="0">
               <a:solidFill>
                 <a:schemeClr val="tx2"/>
               </a:solidFill>
             </a:endParaRPr>
-          </a:p>
-          <a:p>
-            <a:r>
-              <a:rPr lang="en-GB" sz="2000" dirty="0">
-                <a:solidFill>
-                  <a:schemeClr val="tx2"/>
-                </a:solidFill>
-              </a:rPr>
-              <a:t>The fixed effect (difficulty) is different for each </a:t>
-            </a:r>
-            <a:r>
-              <a:rPr lang="en-GB" sz="2000" dirty="0">
-                <a:solidFill>
-                  <a:srgbClr val="00B050"/>
-                </a:solidFill>
-              </a:rPr>
-              <a:t>participant</a:t>
-            </a:r>
-            <a:r>
-              <a:rPr lang="en-GB" sz="2000" dirty="0">
-                <a:solidFill>
-                  <a:schemeClr val="tx2"/>
-                </a:solidFill>
-              </a:rPr>
-              <a:t> AND </a:t>
-            </a:r>
-            <a:r>
-              <a:rPr lang="en-GB" sz="2000" dirty="0">
-                <a:solidFill>
-                  <a:srgbClr val="00B050"/>
-                </a:solidFill>
-              </a:rPr>
-              <a:t>item and </a:t>
-            </a:r>
-            <a:r>
-              <a:rPr lang="en-GB" sz="2000" dirty="0">
-                <a:solidFill>
-                  <a:schemeClr val="tx2"/>
-                </a:solidFill>
-              </a:rPr>
-              <a:t>(random slopes)</a:t>
-            </a:r>
           </a:p>
           <a:p>
             <a:endParaRPr lang="en-GB" sz="2000" dirty="0"/>
@@ -12509,8 +12221,8 @@
         </p:nvSpPr>
         <p:spPr>
           <a:xfrm>
-            <a:off x="6060212" y="5338584"/>
-            <a:ext cx="4099788" cy="1200329"/>
+            <a:off x="6041098" y="5205238"/>
+            <a:ext cx="4099788" cy="1477328"/>
           </a:xfrm>
           <a:prstGeom prst="rect">
             <a:avLst/>
@@ -12526,24 +12238,6 @@
           <a:lstStyle/>
           <a:p>
             <a:r>
-              <a:rPr lang="en-GB" sz="1800" dirty="0"/>
-              <a:t>The model perfectly describes the data, but is “</a:t>
-            </a:r>
-            <a:r>
-              <a:rPr lang="en-GB" sz="1800" dirty="0">
-                <a:solidFill>
-                  <a:srgbClr val="C00000"/>
-                </a:solidFill>
-              </a:rPr>
-              <a:t>non-identifiable</a:t>
-            </a:r>
-            <a:r>
-              <a:rPr lang="en-GB" sz="1800" dirty="0"/>
-              <a:t>”. </a:t>
-            </a:r>
-          </a:p>
-          <a:p>
-            <a:r>
               <a:rPr lang="en-GB" sz="1800" b="1" dirty="0">
                 <a:solidFill>
                   <a:schemeClr val="accent4">
@@ -12551,7 +12245,25 @@
                   </a:schemeClr>
                 </a:solidFill>
               </a:rPr>
-              <a:t>There are too many parameters relative to data points necessary to identify them</a:t>
+              <a:t>There are now too many parameters relative to data points necessary to identify them.</a:t>
+            </a:r>
+          </a:p>
+          <a:p>
+            <a:r>
+              <a:rPr lang="en-GB" dirty="0"/>
+              <a:t>The model perfectly describes the data, but is said to be “</a:t>
+            </a:r>
+            <a:r>
+              <a:rPr lang="en-GB" b="1" dirty="0">
+                <a:solidFill>
+                  <a:srgbClr val="C00000"/>
+                </a:solidFill>
+              </a:rPr>
+              <a:t>non-identifiable</a:t>
+            </a:r>
+            <a:r>
+              <a:rPr lang="en-GB" dirty="0"/>
+              <a:t>”. </a:t>
             </a:r>
           </a:p>
         </p:txBody>
@@ -12640,33 +12352,15 @@
                                   </p:childTnLst>
                                 </p:cTn>
                               </p:par>
-                            </p:childTnLst>
-                          </p:cTn>
-                        </p:par>
-                      </p:childTnLst>
-                    </p:cTn>
-                  </p:par>
-                  <p:par>
-                    <p:cTn id="9" fill="hold">
-                      <p:stCondLst>
-                        <p:cond delay="indefinite"/>
-                      </p:stCondLst>
-                      <p:childTnLst>
-                        <p:par>
-                          <p:cTn id="10" fill="hold">
-                            <p:stCondLst>
-                              <p:cond delay="0"/>
-                            </p:stCondLst>
-                            <p:childTnLst>
                               <p:par>
-                                <p:cTn id="11" presetID="1" presetClass="entr" presetSubtype="0" fill="hold" nodeType="clickEffect">
+                                <p:cTn id="9" presetID="1" presetClass="entr" presetSubtype="0" fill="hold" nodeType="withEffect">
                                   <p:stCondLst>
                                     <p:cond delay="0"/>
                                   </p:stCondLst>
                                   <p:childTnLst>
                                     <p:set>
                                       <p:cBhvr>
-                                        <p:cTn id="12" dur="1" fill="hold">
+                                        <p:cTn id="10" dur="1" fill="hold">
                                           <p:stCondLst>
                                             <p:cond delay="0"/>
                                           </p:stCondLst>
@@ -12674,7 +12368,7 @@
                                         <p:tgtEl>
                                           <p:spTgt spid="14">
                                             <p:txEl>
-                                              <p:pRg st="0" end="0"/>
+                                              <p:pRg st="1" end="1"/>
                                             </p:txEl>
                                           </p:spTgt>
                                         </p:tgtEl>
@@ -12696,106 +12390,26 @@
                     </p:cTn>
                   </p:par>
                   <p:par>
-                    <p:cTn id="13" fill="hold">
+                    <p:cTn id="11" fill="hold">
                       <p:stCondLst>
                         <p:cond delay="indefinite"/>
                       </p:stCondLst>
                       <p:childTnLst>
                         <p:par>
-                          <p:cTn id="14" fill="hold">
+                          <p:cTn id="12" fill="hold">
                             <p:stCondLst>
                               <p:cond delay="0"/>
                             </p:stCondLst>
                             <p:childTnLst>
                               <p:par>
-                                <p:cTn id="15" presetID="1" presetClass="entr" presetSubtype="0" fill="hold" nodeType="clickEffect">
+                                <p:cTn id="13" presetID="1" presetClass="entr" presetSubtype="0" fill="hold" grpId="0" nodeType="clickEffect">
                                   <p:stCondLst>
                                     <p:cond delay="0"/>
                                   </p:stCondLst>
                                   <p:childTnLst>
                                     <p:set>
                                       <p:cBhvr>
-                                        <p:cTn id="16" dur="1" fill="hold">
-                                          <p:stCondLst>
-                                            <p:cond delay="0"/>
-                                          </p:stCondLst>
-                                        </p:cTn>
-                                        <p:tgtEl>
-                                          <p:spTgt spid="14">
-                                            <p:txEl>
-                                              <p:pRg st="2" end="2"/>
-                                            </p:txEl>
-                                          </p:spTgt>
-                                        </p:tgtEl>
-                                        <p:attrNameLst>
-                                          <p:attrName>style.visibility</p:attrName>
-                                        </p:attrNameLst>
-                                      </p:cBhvr>
-                                      <p:to>
-                                        <p:strVal val="visible"/>
-                                      </p:to>
-                                    </p:set>
-                                  </p:childTnLst>
-                                </p:cTn>
-                              </p:par>
-                              <p:par>
-                                <p:cTn id="17" presetID="1" presetClass="entr" presetSubtype="0" fill="hold" nodeType="withEffect">
-                                  <p:stCondLst>
-                                    <p:cond delay="0"/>
-                                  </p:stCondLst>
-                                  <p:childTnLst>
-                                    <p:set>
-                                      <p:cBhvr>
-                                        <p:cTn id="18" dur="1" fill="hold">
-                                          <p:stCondLst>
-                                            <p:cond delay="0"/>
-                                          </p:stCondLst>
-                                        </p:cTn>
-                                        <p:tgtEl>
-                                          <p:spTgt spid="14">
-                                            <p:txEl>
-                                              <p:pRg st="4" end="4"/>
-                                            </p:txEl>
-                                          </p:spTgt>
-                                        </p:tgtEl>
-                                        <p:attrNameLst>
-                                          <p:attrName>style.visibility</p:attrName>
-                                        </p:attrNameLst>
-                                      </p:cBhvr>
-                                      <p:to>
-                                        <p:strVal val="visible"/>
-                                      </p:to>
-                                    </p:set>
-                                  </p:childTnLst>
-                                </p:cTn>
-                              </p:par>
-                            </p:childTnLst>
-                          </p:cTn>
-                        </p:par>
-                      </p:childTnLst>
-                    </p:cTn>
-                  </p:par>
-                  <p:par>
-                    <p:cTn id="19" fill="hold">
-                      <p:stCondLst>
-                        <p:cond delay="indefinite"/>
-                      </p:stCondLst>
-                      <p:childTnLst>
-                        <p:par>
-                          <p:cTn id="20" fill="hold">
-                            <p:stCondLst>
-                              <p:cond delay="0"/>
-                            </p:stCondLst>
-                            <p:childTnLst>
-                              <p:par>
-                                <p:cTn id="21" presetID="1" presetClass="entr" presetSubtype="0" fill="hold" grpId="0" nodeType="clickEffect">
-                                  <p:stCondLst>
-                                    <p:cond delay="0"/>
-                                  </p:stCondLst>
-                                  <p:childTnLst>
-                                    <p:set>
-                                      <p:cBhvr>
-                                        <p:cTn id="22" dur="1" fill="hold">
+                                        <p:cTn id="14" dur="1" fill="hold">
                                           <p:stCondLst>
                                             <p:cond delay="0"/>
                                           </p:stCondLst>
@@ -12867,40 +12481,6 @@
       </p:grpSpPr>
       <p:sp>
         <p:nvSpPr>
-          <p:cNvPr id="2" name="Title 1">
-            <a:extLst>
-              <a:ext uri="{FF2B5EF4-FFF2-40B4-BE49-F238E27FC236}">
-                <a16:creationId xmlns:a16="http://schemas.microsoft.com/office/drawing/2014/main" id="{68D59A0D-965D-3FE6-19B0-98BA2957B4D8}"/>
-              </a:ext>
-            </a:extLst>
-          </p:cNvPr>
-          <p:cNvSpPr>
-            <a:spLocks noGrp="1"/>
-          </p:cNvSpPr>
-          <p:nvPr>
-            <p:ph type="title"/>
-          </p:nvPr>
-        </p:nvSpPr>
-        <p:spPr>
-          <a:xfrm>
-            <a:off x="609600" y="274638"/>
-            <a:ext cx="10972800" cy="957233"/>
-          </a:xfrm>
-        </p:spPr>
-        <p:txBody>
-          <a:bodyPr/>
-          <a:lstStyle/>
-          <a:p>
-            <a:pPr algn="l"/>
-            <a:r>
-              <a:rPr lang="en-GB" dirty="0"/>
-              <a:t>More on Random Intercept and Slopes</a:t>
-            </a:r>
-          </a:p>
-        </p:txBody>
-      </p:sp>
-      <p:sp>
-        <p:nvSpPr>
           <p:cNvPr id="4" name="Slide Number Placeholder 3">
             <a:extLst>
               <a:ext uri="{FF2B5EF4-FFF2-40B4-BE49-F238E27FC236}">
@@ -12944,7 +12524,7 @@
         <p:spPr>
           <a:xfrm>
             <a:off x="1245140" y="1226613"/>
-            <a:ext cx="9319098" cy="5201424"/>
+            <a:ext cx="9319098" cy="3908762"/>
           </a:xfrm>
           <a:prstGeom prst="rect">
             <a:avLst/>
@@ -12976,7 +12556,15 @@
                   <a:srgbClr val="00B050"/>
                 </a:solidFill>
               </a:rPr>
-              <a:t>Random effects (intercepts and slopes) can be correlated.</a:t>
+              <a:t>Random effects (intercepts and slopes) can be </a:t>
+            </a:r>
+            <a:r>
+              <a:rPr lang="en-GB" sz="2800" b="1" u="sng" dirty="0">
+                <a:solidFill>
+                  <a:srgbClr val="00B050"/>
+                </a:solidFill>
+              </a:rPr>
+              <a:t>correlated.</a:t>
             </a:r>
             <a:r>
               <a:rPr lang="en-GB" sz="2800" b="1" dirty="0">
@@ -12987,16 +12575,6 @@
                 </a:solidFill>
               </a:rPr>
               <a:t> </a:t>
-            </a:r>
-          </a:p>
-          <a:p>
-            <a:pPr marL="342900" indent="-342900">
-              <a:buFont typeface="Arial" panose="020B0604020202020204" pitchFamily="34" charset="0"/>
-              <a:buChar char="•"/>
-            </a:pPr>
-            <a:r>
-              <a:rPr lang="en-GB" sz="2800" dirty="0"/>
-              <a:t>This correlation is explicitly modelled.</a:t>
             </a:r>
           </a:p>
           <a:p>
@@ -13006,7 +12584,23 @@
             </a:pPr>
             <a:r>
               <a:rPr lang="en-GB" sz="2800" dirty="0"/>
-              <a:t>e.g., slower participants have a larger difficulty effect. </a:t>
+              <a:t>e.g., </a:t>
+            </a:r>
+            <a:r>
+              <a:rPr lang="en-GB" sz="2800" i="1" dirty="0"/>
+              <a:t>slower</a:t>
+            </a:r>
+            <a:r>
+              <a:rPr lang="en-GB" sz="2800" dirty="0"/>
+              <a:t> participants have a </a:t>
+            </a:r>
+            <a:r>
+              <a:rPr lang="en-GB" sz="2800" i="1" dirty="0"/>
+              <a:t>larger</a:t>
+            </a:r>
+            <a:r>
+              <a:rPr lang="en-GB" sz="2800" dirty="0"/>
+              <a:t> difficulty effect. </a:t>
             </a:r>
           </a:p>
           <a:p>
@@ -13016,15 +12610,41 @@
             </a:pPr>
             <a:r>
               <a:rPr lang="en-GB" sz="2800" dirty="0"/>
-              <a:t>There would therefore be a </a:t>
-            </a:r>
-            <a:r>
-              <a:rPr lang="en-GB" sz="2800" i="1" dirty="0"/>
-              <a:t>correlation</a:t>
-            </a:r>
+              <a:t>The correlation can included or constrained to be zero</a:t>
+            </a:r>
+          </a:p>
+          <a:p>
+            <a:pPr lvl="1"/>
+            <a:endParaRPr lang="en-GB" sz="2800" dirty="0"/>
+          </a:p>
+          <a:p>
+            <a:pPr marL="285750" lvl="0" indent="-285750">
+              <a:buFont typeface="Arial" panose="020B0604020202020204" pitchFamily="34" charset="0"/>
+              <a:buChar char="•"/>
+            </a:pPr>
             <a:r>
               <a:rPr lang="en-GB" sz="2800" dirty="0"/>
-              <a:t> between the random intercepts and slopes across participants. </a:t>
+              <a:t>Not including </a:t>
+            </a:r>
+            <a:r>
+              <a:rPr lang="en-GB" sz="2800" b="1" dirty="0">
+                <a:solidFill>
+                  <a:srgbClr val="00B050"/>
+                </a:solidFill>
+              </a:rPr>
+              <a:t>random slopes</a:t>
+            </a:r>
+            <a:r>
+              <a:rPr lang="en-GB" sz="2800" dirty="0">
+                <a:solidFill>
+                  <a:srgbClr val="00B050"/>
+                </a:solidFill>
+              </a:rPr>
+              <a:t> </a:t>
+            </a:r>
+            <a:r>
+              <a:rPr lang="en-GB" sz="2800" dirty="0"/>
+              <a:t>can inflate the Type I error rate.</a:t>
             </a:r>
           </a:p>
           <a:p>
@@ -13034,51 +12654,7 @@
             </a:pPr>
             <a:r>
               <a:rPr lang="en-GB" sz="2800" dirty="0"/>
-              <a:t>The correlation can be constrained to be zero</a:t>
-            </a:r>
-          </a:p>
-          <a:p>
-            <a:pPr lvl="1"/>
-            <a:endParaRPr lang="en-GB" sz="2800" dirty="0"/>
-          </a:p>
-          <a:p>
-            <a:pPr marL="285750" lvl="0" indent="-285750">
-              <a:buFont typeface="Arial" panose="020B0604020202020204" pitchFamily="34" charset="0"/>
-              <a:buChar char="•"/>
-            </a:pPr>
-            <a:r>
-              <a:rPr lang="en-GB" sz="2800" dirty="0"/>
-              <a:t>Omitting </a:t>
-            </a:r>
-            <a:r>
-              <a:rPr lang="en-GB" sz="2800" b="1" dirty="0">
-                <a:solidFill>
-                  <a:srgbClr val="00B050"/>
-                </a:solidFill>
-              </a:rPr>
-              <a:t>random slopes</a:t>
-            </a:r>
-            <a:r>
-              <a:rPr lang="en-GB" sz="2800" dirty="0">
-                <a:solidFill>
-                  <a:srgbClr val="00B050"/>
-                </a:solidFill>
-              </a:rPr>
-              <a:t> </a:t>
-            </a:r>
-            <a:r>
-              <a:rPr lang="en-GB" sz="2800" dirty="0"/>
-              <a:t>can inflate the Type I error rate.</a:t>
-            </a:r>
-          </a:p>
-          <a:p>
-            <a:pPr marL="742950" lvl="1" indent="-285750">
-              <a:buFont typeface="Arial" panose="020B0604020202020204" pitchFamily="34" charset="0"/>
-              <a:buChar char="•"/>
-            </a:pPr>
-            <a:r>
-              <a:rPr lang="en-GB" sz="2800" dirty="0"/>
-              <a:t>i.e., More likely falsely finding that a fixed effect is significant</a:t>
+              <a:t>i.e., You are more likely to falsely find that a fixed effect is significant</a:t>
             </a:r>
           </a:p>
           <a:p>
@@ -13238,55 +12814,6 @@
                                         <p:tgtEl>
                                           <p:spTgt spid="14">
                                             <p:txEl>
-                                              <p:pRg st="4" end="4"/>
-                                            </p:txEl>
-                                          </p:spTgt>
-                                        </p:tgtEl>
-                                        <p:attrNameLst>
-                                          <p:attrName>style.visibility</p:attrName>
-                                        </p:attrNameLst>
-                                      </p:cBhvr>
-                                      <p:to>
-                                        <p:strVal val="visible"/>
-                                      </p:to>
-                                    </p:set>
-                                  </p:childTnLst>
-                                </p:cTn>
-                              </p:par>
-                            </p:childTnLst>
-                          </p:cTn>
-                        </p:par>
-                      </p:childTnLst>
-                    </p:cTn>
-                  </p:par>
-                  <p:par>
-                    <p:cTn id="15" fill="hold">
-                      <p:stCondLst>
-                        <p:cond delay="indefinite"/>
-                      </p:stCondLst>
-                      <p:childTnLst>
-                        <p:par>
-                          <p:cTn id="16" fill="hold">
-                            <p:stCondLst>
-                              <p:cond delay="0"/>
-                            </p:stCondLst>
-                            <p:childTnLst>
-                              <p:par>
-                                <p:cTn id="17" presetID="1" presetClass="entr" presetSubtype="0" fill="hold" nodeType="clickEffect">
-                                  <p:stCondLst>
-                                    <p:cond delay="0"/>
-                                  </p:stCondLst>
-                                  <p:childTnLst>
-                                    <p:set>
-                                      <p:cBhvr>
-                                        <p:cTn id="18" dur="1" fill="hold">
-                                          <p:stCondLst>
-                                            <p:cond delay="0"/>
-                                          </p:stCondLst>
-                                        </p:cTn>
-                                        <p:tgtEl>
-                                          <p:spTgt spid="14">
-                                            <p:txEl>
                                               <p:pRg st="5" end="5"/>
                                             </p:txEl>
                                           </p:spTgt>
@@ -13302,33 +12829,15 @@
                                   </p:childTnLst>
                                 </p:cTn>
                               </p:par>
-                            </p:childTnLst>
-                          </p:cTn>
-                        </p:par>
-                      </p:childTnLst>
-                    </p:cTn>
-                  </p:par>
-                  <p:par>
-                    <p:cTn id="19" fill="hold">
-                      <p:stCondLst>
-                        <p:cond delay="indefinite"/>
-                      </p:stCondLst>
-                      <p:childTnLst>
-                        <p:par>
-                          <p:cTn id="20" fill="hold">
-                            <p:stCondLst>
-                              <p:cond delay="0"/>
-                            </p:stCondLst>
-                            <p:childTnLst>
                               <p:par>
-                                <p:cTn id="21" presetID="1" presetClass="entr" presetSubtype="0" fill="hold" nodeType="clickEffect">
+                                <p:cTn id="15" presetID="1" presetClass="entr" presetSubtype="0" fill="hold" nodeType="withEffect">
                                   <p:stCondLst>
                                     <p:cond delay="0"/>
                                   </p:stCondLst>
                                   <p:childTnLst>
                                     <p:set>
                                       <p:cBhvr>
-                                        <p:cTn id="22" dur="1" fill="hold">
+                                        <p:cTn id="16" dur="1" fill="hold">
                                           <p:stCondLst>
                                             <p:cond delay="0"/>
                                           </p:stCondLst>
@@ -13336,38 +12845,7 @@
                                         <p:tgtEl>
                                           <p:spTgt spid="14">
                                             <p:txEl>
-                                              <p:pRg st="7" end="7"/>
-                                            </p:txEl>
-                                          </p:spTgt>
-                                        </p:tgtEl>
-                                        <p:attrNameLst>
-                                          <p:attrName>style.visibility</p:attrName>
-                                        </p:attrNameLst>
-                                      </p:cBhvr>
-                                      <p:to>
-                                        <p:strVal val="visible"/>
-                                      </p:to>
-                                    </p:set>
-                                  </p:childTnLst>
-                                </p:cTn>
-                              </p:par>
-                              <p:par>
-                                <p:cTn id="23" presetID="1" presetClass="entr" presetSubtype="0" fill="hold" nodeType="withEffect">
-                                  <p:stCondLst>
-                                    <p:cond delay="0"/>
-                                  </p:stCondLst>
-                                  <p:childTnLst>
-                                    <p:set>
-                                      <p:cBhvr>
-                                        <p:cTn id="24" dur="1" fill="hold">
-                                          <p:stCondLst>
-                                            <p:cond delay="0"/>
-                                          </p:stCondLst>
-                                        </p:cTn>
-                                        <p:tgtEl>
-                                          <p:spTgt spid="14">
-                                            <p:txEl>
-                                              <p:pRg st="8" end="8"/>
+                                              <p:pRg st="6" end="6"/>
                                             </p:txEl>
                                           </p:spTgt>
                                         </p:tgtEl>
@@ -13454,14 +12932,14 @@
             <a:pPr algn="l"/>
             <a:r>
               <a:rPr lang="en-GB" dirty="0"/>
-              <a:t>Lots of choices on what to include in the model.</a:t>
+              <a:t>Which model?</a:t>
             </a:r>
             <a:br>
               <a:rPr lang="en-GB" dirty="0"/>
             </a:br>
             <a:r>
               <a:rPr lang="en-GB" sz="2800" dirty="0"/>
-              <a:t>Recommendation: Keep it maximal (Bar et al., 2013)</a:t>
+              <a:t>Keep it maximal (Barr et al., 2013)</a:t>
             </a:r>
             <a:endParaRPr lang="en-GB" dirty="0"/>
           </a:p>
@@ -13485,8 +12963,8 @@
         </p:nvSpPr>
         <p:spPr>
           <a:xfrm>
-            <a:off x="609600" y="1624013"/>
-            <a:ext cx="8359302" cy="4525963"/>
+            <a:off x="2790999" y="2021305"/>
+            <a:ext cx="6610002" cy="3924134"/>
           </a:xfrm>
         </p:spPr>
         <p:txBody>
@@ -13498,53 +12976,29 @@
             <a:pPr algn="l"/>
             <a:r>
               <a:rPr lang="en-GB" dirty="0"/>
-              <a:t>Crossed random effects model provides the most complete account but is </a:t>
-            </a:r>
-            <a:r>
-              <a:rPr lang="en-GB" b="1" dirty="0">
+              <a:t>In general, greatest accuracy is achieved by adopting the </a:t>
+            </a:r>
+            <a:r>
+              <a:rPr lang="en-GB" b="1" i="1" dirty="0">
                 <a:solidFill>
                   <a:schemeClr val="accent4">
                     <a:lumMod val="75000"/>
                   </a:schemeClr>
                 </a:solidFill>
               </a:rPr>
-              <a:t>non-identifiable.</a:t>
-            </a:r>
-          </a:p>
-          <a:p>
-            <a:pPr algn="l"/>
+              <a:t>maximal random effects structure justified by the design.</a:t>
+            </a:r>
+          </a:p>
+          <a:p>
             <a:r>
               <a:rPr lang="en-GB" dirty="0"/>
-              <a:t>In general, most recommend adopting the </a:t>
-            </a:r>
-            <a:r>
-              <a:rPr lang="en-GB" b="1" i="1" dirty="0">
-                <a:solidFill>
-                  <a:schemeClr val="accent4">
-                    <a:lumMod val="75000"/>
-                  </a:schemeClr>
-                </a:solidFill>
-              </a:rPr>
-              <a:t>maximal random effects structure justified by the design.</a:t>
-            </a:r>
-          </a:p>
-          <a:p>
-            <a:pPr lvl="1"/>
+              <a:t>Include random intercepts, slopes, and their correlation for a given random effect as a starting point</a:t>
+            </a:r>
+          </a:p>
+          <a:p>
             <a:r>
               <a:rPr lang="en-GB" dirty="0"/>
-              <a:t>Provides more accurate account data</a:t>
-            </a:r>
-          </a:p>
-          <a:p>
-            <a:r>
-              <a:rPr lang="en-GB" dirty="0"/>
-              <a:t>Estimate random intercepts, slopes, and their correlation for a given random effect as a starting point</a:t>
-            </a:r>
-          </a:p>
-          <a:p>
-            <a:r>
-              <a:rPr lang="en-GB" dirty="0"/>
-              <a:t>You must have at least 5 or 6 levels of your random effect grouping variable (</a:t>
+              <a:t>Each random effect grouping variable must have at least 5 or 6 levels (</a:t>
             </a:r>
             <a:r>
               <a:rPr lang="en-GB" dirty="0" err="1"/>
@@ -13700,15 +13154,33 @@
                                   </p:childTnLst>
                                 </p:cTn>
                               </p:par>
+                            </p:childTnLst>
+                          </p:cTn>
+                        </p:par>
+                      </p:childTnLst>
+                    </p:cTn>
+                  </p:par>
+                  <p:par>
+                    <p:cTn id="11" fill="hold">
+                      <p:stCondLst>
+                        <p:cond delay="indefinite"/>
+                      </p:stCondLst>
+                      <p:childTnLst>
+                        <p:par>
+                          <p:cTn id="12" fill="hold">
+                            <p:stCondLst>
+                              <p:cond delay="0"/>
+                            </p:stCondLst>
+                            <p:childTnLst>
                               <p:par>
-                                <p:cTn id="11" presetID="1" presetClass="entr" presetSubtype="0" fill="hold" nodeType="withEffect">
+                                <p:cTn id="13" presetID="1" presetClass="entr" presetSubtype="0" fill="hold" nodeType="clickEffect">
                                   <p:stCondLst>
                                     <p:cond delay="0"/>
                                   </p:stCondLst>
                                   <p:childTnLst>
                                     <p:set>
                                       <p:cBhvr>
-                                        <p:cTn id="12" dur="1" fill="hold">
+                                        <p:cTn id="14" dur="1" fill="hold">
                                           <p:stCondLst>
                                             <p:cond delay="0"/>
                                           </p:stCondLst>
@@ -13717,104 +13189,6 @@
                                           <p:spTgt spid="3">
                                             <p:txEl>
                                               <p:pRg st="2" end="2"/>
-                                            </p:txEl>
-                                          </p:spTgt>
-                                        </p:tgtEl>
-                                        <p:attrNameLst>
-                                          <p:attrName>style.visibility</p:attrName>
-                                        </p:attrNameLst>
-                                      </p:cBhvr>
-                                      <p:to>
-                                        <p:strVal val="visible"/>
-                                      </p:to>
-                                    </p:set>
-                                  </p:childTnLst>
-                                </p:cTn>
-                              </p:par>
-                            </p:childTnLst>
-                          </p:cTn>
-                        </p:par>
-                      </p:childTnLst>
-                    </p:cTn>
-                  </p:par>
-                  <p:par>
-                    <p:cTn id="13" fill="hold">
-                      <p:stCondLst>
-                        <p:cond delay="indefinite"/>
-                      </p:stCondLst>
-                      <p:childTnLst>
-                        <p:par>
-                          <p:cTn id="14" fill="hold">
-                            <p:stCondLst>
-                              <p:cond delay="0"/>
-                            </p:stCondLst>
-                            <p:childTnLst>
-                              <p:par>
-                                <p:cTn id="15" presetID="1" presetClass="entr" presetSubtype="0" fill="hold" nodeType="clickEffect">
-                                  <p:stCondLst>
-                                    <p:cond delay="0"/>
-                                  </p:stCondLst>
-                                  <p:childTnLst>
-                                    <p:set>
-                                      <p:cBhvr>
-                                        <p:cTn id="16" dur="1" fill="hold">
-                                          <p:stCondLst>
-                                            <p:cond delay="0"/>
-                                          </p:stCondLst>
-                                        </p:cTn>
-                                        <p:tgtEl>
-                                          <p:spTgt spid="3">
-                                            <p:txEl>
-                                              <p:pRg st="3" end="3"/>
-                                            </p:txEl>
-                                          </p:spTgt>
-                                        </p:tgtEl>
-                                        <p:attrNameLst>
-                                          <p:attrName>style.visibility</p:attrName>
-                                        </p:attrNameLst>
-                                      </p:cBhvr>
-                                      <p:to>
-                                        <p:strVal val="visible"/>
-                                      </p:to>
-                                    </p:set>
-                                  </p:childTnLst>
-                                </p:cTn>
-                              </p:par>
-                            </p:childTnLst>
-                          </p:cTn>
-                        </p:par>
-                      </p:childTnLst>
-                    </p:cTn>
-                  </p:par>
-                  <p:par>
-                    <p:cTn id="17" fill="hold">
-                      <p:stCondLst>
-                        <p:cond delay="indefinite"/>
-                      </p:stCondLst>
-                      <p:childTnLst>
-                        <p:par>
-                          <p:cTn id="18" fill="hold">
-                            <p:stCondLst>
-                              <p:cond delay="0"/>
-                            </p:stCondLst>
-                            <p:childTnLst>
-                              <p:par>
-                                <p:cTn id="19" presetID="1" presetClass="entr" presetSubtype="0" fill="hold" nodeType="clickEffect">
-                                  <p:stCondLst>
-                                    <p:cond delay="0"/>
-                                  </p:stCondLst>
-                                  <p:childTnLst>
-                                    <p:set>
-                                      <p:cBhvr>
-                                        <p:cTn id="20" dur="1" fill="hold">
-                                          <p:stCondLst>
-                                            <p:cond delay="0"/>
-                                          </p:stCondLst>
-                                        </p:cTn>
-                                        <p:tgtEl>
-                                          <p:spTgt spid="3">
-                                            <p:txEl>
-                                              <p:pRg st="4" end="4"/>
                                             </p:txEl>
                                           </p:spTgt>
                                         </p:tgtEl>
@@ -13960,31 +13334,23 @@
           <a:p>
             <a:r>
               <a:rPr lang="en-GB" dirty="0"/>
-              <a:t>There may be:</a:t>
+              <a:t>There may be multiple data points from different:</a:t>
             </a:r>
           </a:p>
           <a:p>
             <a:pPr lvl="1"/>
             <a:r>
-              <a:rPr lang="en-GB" dirty="0"/>
-              <a:t>Multiple data points per </a:t>
-            </a:r>
-            <a:r>
               <a:rPr lang="en-GB" b="1" dirty="0">
                 <a:solidFill>
                   <a:schemeClr val="tx2"/>
                 </a:solidFill>
               </a:rPr>
-              <a:t>participant</a:t>
+              <a:t>participants</a:t>
             </a:r>
           </a:p>
           <a:p>
             <a:pPr lvl="1"/>
             <a:r>
-              <a:rPr lang="en-GB" dirty="0"/>
-              <a:t>Data from students in different </a:t>
-            </a:r>
-            <a:r>
               <a:rPr lang="en-GB" b="1" dirty="0">
                 <a:solidFill>
                   <a:schemeClr val="tx2"/>
@@ -13996,10 +13362,6 @@
           <a:p>
             <a:pPr lvl="1"/>
             <a:r>
-              <a:rPr lang="en-GB" dirty="0"/>
-              <a:t>Data from different </a:t>
-            </a:r>
-            <a:r>
               <a:rPr lang="en-GB" b="1" dirty="0">
                 <a:solidFill>
                   <a:schemeClr val="tx2"/>
@@ -14011,10 +13373,6 @@
           <a:p>
             <a:pPr lvl="1"/>
             <a:r>
-              <a:rPr lang="en-GB" dirty="0"/>
-              <a:t>Data from the same </a:t>
-            </a:r>
-            <a:r>
               <a:rPr lang="en-GB" b="1" dirty="0">
                 <a:solidFill>
                   <a:schemeClr val="tx2"/>
@@ -14022,14 +13380,7 @@
               </a:rPr>
               <a:t>items</a:t>
             </a:r>
-            <a:r>
-              <a:rPr lang="en-GB" b="1" dirty="0"/>
-              <a:t> </a:t>
-            </a:r>
-            <a:r>
-              <a:rPr lang="en-GB" dirty="0"/>
-              <a:t>in a stimulus set</a:t>
-            </a:r>
+            <a:endParaRPr lang="en-GB" dirty="0"/>
           </a:p>
           <a:p>
             <a:pPr lvl="1"/>
@@ -14038,7 +13389,7 @@
           <a:p>
             <a:r>
               <a:rPr lang="en-GB" dirty="0"/>
-              <a:t>We can expect data within each of these </a:t>
+              <a:t>Data within each of these </a:t>
             </a:r>
             <a:r>
               <a:rPr lang="en-GB" b="1" i="1" dirty="0"/>
@@ -14050,7 +13401,7 @@
             </a:r>
             <a:r>
               <a:rPr lang="en-GB" dirty="0"/>
-              <a:t>to be </a:t>
+              <a:t>tends to be </a:t>
             </a:r>
             <a:r>
               <a:rPr lang="en-GB" b="1" i="1" dirty="0">
@@ -14069,7 +13420,7 @@
                   <a:schemeClr val="tx2"/>
                 </a:solidFill>
               </a:rPr>
-              <a:t>e.g., some participants may tend to do better than others</a:t>
+              <a:t>some participants may do better than others</a:t>
             </a:r>
           </a:p>
           <a:p>
@@ -14080,7 +13431,7 @@
                   <a:schemeClr val="tx2"/>
                 </a:solidFill>
               </a:rPr>
-              <a:t>particular stimuli tend to be easy/difficult</a:t>
+              <a:t>some stimuli are easy/difficult</a:t>
             </a:r>
           </a:p>
           <a:p>
@@ -14096,21 +13447,41 @@
             </a:pPr>
             <a:r>
               <a:rPr lang="en-GB" dirty="0"/>
-              <a:t>Technically, such dependencies violate the assumption of independence of data points in regression/ANOVA.</a:t>
+              <a:t>Technically, such dependencies violate the assumption of </a:t>
+            </a:r>
+            <a:r>
+              <a:rPr lang="en-GB" b="1" dirty="0">
+                <a:solidFill>
+                  <a:schemeClr val="accent4"/>
+                </a:solidFill>
+              </a:rPr>
+              <a:t>independence</a:t>
+            </a:r>
+            <a:r>
+              <a:rPr lang="en-GB" dirty="0"/>
+              <a:t> of data points in regression/ANOVA.</a:t>
             </a:r>
             <a:br>
               <a:rPr lang="en-GB" dirty="0"/>
             </a:br>
             <a:r>
               <a:rPr lang="en-GB" dirty="0"/>
-              <a:t>A traditional approach is to average over data points prior to analysis </a:t>
+              <a:t>A traditional approach is to average over data points </a:t>
+            </a:r>
+            <a:r>
+              <a:rPr lang="en-GB" i="1" dirty="0"/>
+              <a:t>prior</a:t>
+            </a:r>
+            <a:r>
+              <a:rPr lang="en-GB" dirty="0"/>
+              <a:t> to analysis </a:t>
             </a:r>
             <a:br>
               <a:rPr lang="en-GB" dirty="0"/>
             </a:br>
             <a:r>
               <a:rPr lang="en-GB" dirty="0"/>
-              <a:t>(e.g., average RTs across items then do an ANOVA).</a:t>
+              <a:t>(e.g., average RTs across items, then do a repeated measures ANOVA).</a:t>
             </a:r>
           </a:p>
           <a:p>
@@ -14687,7 +14058,7 @@
         </p:spPr>
         <p:txBody>
           <a:bodyPr>
-            <a:normAutofit fontScale="92500" lnSpcReduction="10000"/>
+            <a:normAutofit/>
           </a:bodyPr>
           <a:lstStyle/>
           <a:p>
@@ -14712,19 +14083,7 @@
               <a:rPr lang="en-GB" sz="2800" dirty="0">
                 <a:latin typeface="NimbusRomNo9L-Regu"/>
               </a:rPr>
-              <a:t>Bates, </a:t>
-            </a:r>
-            <a:r>
-              <a:rPr lang="en-GB" sz="2800" dirty="0" err="1">
-                <a:latin typeface="NimbusRomNo9L-Regu"/>
-              </a:rPr>
-              <a:t>Mächler</a:t>
-            </a:r>
-            <a:r>
-              <a:rPr lang="en-GB" sz="2800" dirty="0">
-                <a:latin typeface="NimbusRomNo9L-Regu"/>
-              </a:rPr>
-              <a:t>, et al., 2015).</a:t>
+              <a:t>Bates et al., 2015).</a:t>
             </a:r>
           </a:p>
           <a:p>
@@ -14763,13 +14122,6 @@
                 <a:latin typeface="Lucida Console" panose="020B0609040504020204" pitchFamily="49" charset="0"/>
               </a:rPr>
               <a:t>()</a:t>
-            </a:r>
-          </a:p>
-          <a:p>
-            <a:pPr lvl="1"/>
-            <a:r>
-              <a:rPr lang="en-GB" dirty="0"/>
-              <a:t>Specify formula</a:t>
             </a:r>
           </a:p>
           <a:p>
@@ -14795,20 +14147,13 @@
             <a:br>
               <a:rPr lang="en-GB" dirty="0"/>
             </a:br>
+            <a:endParaRPr lang="en-GB" dirty="0"/>
+          </a:p>
+          <a:p>
+            <a:pPr algn="l"/>
             <a:r>
               <a:rPr lang="en-GB" dirty="0"/>
-              <a:t>(each observation is one row)</a:t>
-            </a:r>
-          </a:p>
-          <a:p>
-            <a:pPr algn="l"/>
-            <a:endParaRPr lang="en-GB" dirty="0"/>
-          </a:p>
-          <a:p>
-            <a:pPr algn="l"/>
-            <a:r>
-              <a:rPr lang="en-GB" dirty="0"/>
-              <a:t>In LMM, the outcome is </a:t>
+              <a:t>In LMM, the outcome variable is </a:t>
             </a:r>
             <a:r>
               <a:rPr lang="en-GB" b="1" dirty="0">
@@ -15043,15 +14388,33 @@
                                   </p:childTnLst>
                                 </p:cTn>
                               </p:par>
+                            </p:childTnLst>
+                          </p:cTn>
+                        </p:par>
+                      </p:childTnLst>
+                    </p:cTn>
+                  </p:par>
+                  <p:par>
+                    <p:cTn id="15" fill="hold">
+                      <p:stCondLst>
+                        <p:cond delay="indefinite"/>
+                      </p:stCondLst>
+                      <p:childTnLst>
+                        <p:par>
+                          <p:cTn id="16" fill="hold">
+                            <p:stCondLst>
+                              <p:cond delay="0"/>
+                            </p:stCondLst>
+                            <p:childTnLst>
                               <p:par>
-                                <p:cTn id="15" presetID="1" presetClass="entr" presetSubtype="0" fill="hold" nodeType="withEffect">
+                                <p:cTn id="17" presetID="1" presetClass="entr" presetSubtype="0" fill="hold" nodeType="clickEffect">
                                   <p:stCondLst>
                                     <p:cond delay="0"/>
                                   </p:stCondLst>
                                   <p:childTnLst>
                                     <p:set>
                                       <p:cBhvr>
-                                        <p:cTn id="16" dur="1" fill="hold">
+                                        <p:cTn id="18" dur="1" fill="hold">
                                           <p:stCondLst>
                                             <p:cond delay="0"/>
                                           </p:stCondLst>
@@ -15059,7 +14422,7 @@
                                         <p:tgtEl>
                                           <p:spTgt spid="3">
                                             <p:txEl>
-                                              <p:pRg st="5" end="5"/>
+                                              <p:pRg st="6" end="6"/>
                                             </p:txEl>
                                           </p:spTgt>
                                         </p:tgtEl>
@@ -15081,26 +14444,26 @@
                     </p:cTn>
                   </p:par>
                   <p:par>
-                    <p:cTn id="17" fill="hold">
+                    <p:cTn id="19" fill="hold">
                       <p:stCondLst>
                         <p:cond delay="indefinite"/>
                       </p:stCondLst>
                       <p:childTnLst>
                         <p:par>
-                          <p:cTn id="18" fill="hold">
+                          <p:cTn id="20" fill="hold">
                             <p:stCondLst>
                               <p:cond delay="0"/>
                             </p:stCondLst>
                             <p:childTnLst>
                               <p:par>
-                                <p:cTn id="19" presetID="1" presetClass="entr" presetSubtype="0" fill="hold" nodeType="clickEffect">
+                                <p:cTn id="21" presetID="1" presetClass="entr" presetSubtype="0" fill="hold" nodeType="clickEffect">
                                   <p:stCondLst>
                                     <p:cond delay="0"/>
                                   </p:stCondLst>
                                   <p:childTnLst>
                                     <p:set>
                                       <p:cBhvr>
-                                        <p:cTn id="20" dur="1" fill="hold">
+                                        <p:cTn id="22" dur="1" fill="hold">
                                           <p:stCondLst>
                                             <p:cond delay="0"/>
                                           </p:stCondLst>
@@ -15109,55 +14472,6 @@
                                           <p:spTgt spid="3">
                                             <p:txEl>
                                               <p:pRg st="7" end="7"/>
-                                            </p:txEl>
-                                          </p:spTgt>
-                                        </p:tgtEl>
-                                        <p:attrNameLst>
-                                          <p:attrName>style.visibility</p:attrName>
-                                        </p:attrNameLst>
-                                      </p:cBhvr>
-                                      <p:to>
-                                        <p:strVal val="visible"/>
-                                      </p:to>
-                                    </p:set>
-                                  </p:childTnLst>
-                                </p:cTn>
-                              </p:par>
-                            </p:childTnLst>
-                          </p:cTn>
-                        </p:par>
-                      </p:childTnLst>
-                    </p:cTn>
-                  </p:par>
-                  <p:par>
-                    <p:cTn id="21" fill="hold">
-                      <p:stCondLst>
-                        <p:cond delay="indefinite"/>
-                      </p:stCondLst>
-                      <p:childTnLst>
-                        <p:par>
-                          <p:cTn id="22" fill="hold">
-                            <p:stCondLst>
-                              <p:cond delay="0"/>
-                            </p:stCondLst>
-                            <p:childTnLst>
-                              <p:par>
-                                <p:cTn id="23" presetID="1" presetClass="entr" presetSubtype="0" fill="hold" nodeType="clickEffect">
-                                  <p:stCondLst>
-                                    <p:cond delay="0"/>
-                                  </p:stCondLst>
-                                  <p:childTnLst>
-                                    <p:set>
-                                      <p:cBhvr>
-                                        <p:cTn id="24" dur="1" fill="hold">
-                                          <p:stCondLst>
-                                            <p:cond delay="0"/>
-                                          </p:stCondLst>
-                                        </p:cTn>
-                                        <p:tgtEl>
-                                          <p:spTgt spid="3">
-                                            <p:txEl>
-                                              <p:pRg st="9" end="9"/>
                                             </p:txEl>
                                           </p:spTgt>
                                         </p:tgtEl>
@@ -15288,7 +14602,23 @@
                   <a:schemeClr val="tx2"/>
                 </a:solidFill>
               </a:rPr>
-              <a:t>binary outcome </a:t>
+              <a:t>binary </a:t>
+            </a:r>
+            <a:r>
+              <a:rPr lang="en-GB" dirty="0">
+                <a:solidFill>
+                  <a:schemeClr val="tx2"/>
+                </a:solidFill>
+              </a:rPr>
+              <a:t>outcome</a:t>
+            </a:r>
+            <a:r>
+              <a:rPr lang="en-GB" b="1" dirty="0">
+                <a:solidFill>
+                  <a:schemeClr val="tx2"/>
+                </a:solidFill>
+              </a:rPr>
+              <a:t> </a:t>
             </a:r>
             <a:r>
               <a:rPr lang="en-GB" dirty="0"/>
@@ -15322,7 +14652,7 @@
             </a:pPr>
             <a:r>
               <a:rPr lang="en-GB" dirty="0"/>
-              <a:t>The model is called a </a:t>
+              <a:t>the model is called a </a:t>
             </a:r>
             <a:r>
               <a:rPr lang="en-GB" b="1" dirty="0">
@@ -15332,7 +14662,7 @@
                   </a:schemeClr>
                 </a:solidFill>
               </a:rPr>
-              <a:t>generalised linear mixed effects model </a:t>
+              <a:t>Generalised Linear Mixed effects Model </a:t>
             </a:r>
             <a:r>
               <a:rPr lang="en-GB" dirty="0"/>
@@ -15340,6 +14670,10 @@
             </a:r>
           </a:p>
           <a:p>
+            <a:r>
+              <a:rPr lang="en-GB" dirty="0"/>
+              <a:t>Use the </a:t>
+            </a:r>
             <a:r>
               <a:rPr lang="en-GB" dirty="0" err="1">
                 <a:latin typeface="Lucida Console" panose="020B0609040504020204" pitchFamily="49" charset="0"/>
@@ -15372,15 +14706,6 @@
               <a:buNone/>
             </a:pPr>
             <a:endParaRPr lang="en-GB" dirty="0"/>
-          </a:p>
-          <a:p>
-            <a:pPr marL="0" indent="0">
-              <a:buNone/>
-            </a:pPr>
-            <a:r>
-              <a:rPr lang="en-GB" dirty="0"/>
-              <a:t>For further information see References on the worksheet</a:t>
-            </a:r>
           </a:p>
         </p:txBody>
       </p:sp>
@@ -15654,55 +14979,6 @@
                       </p:childTnLst>
                     </p:cTn>
                   </p:par>
-                  <p:par>
-                    <p:cTn id="19" fill="hold">
-                      <p:stCondLst>
-                        <p:cond delay="indefinite"/>
-                      </p:stCondLst>
-                      <p:childTnLst>
-                        <p:par>
-                          <p:cTn id="20" fill="hold">
-                            <p:stCondLst>
-                              <p:cond delay="0"/>
-                            </p:stCondLst>
-                            <p:childTnLst>
-                              <p:par>
-                                <p:cTn id="21" presetID="1" presetClass="entr" presetSubtype="0" fill="hold" nodeType="clickEffect">
-                                  <p:stCondLst>
-                                    <p:cond delay="0"/>
-                                  </p:stCondLst>
-                                  <p:childTnLst>
-                                    <p:set>
-                                      <p:cBhvr>
-                                        <p:cTn id="22" dur="1" fill="hold">
-                                          <p:stCondLst>
-                                            <p:cond delay="0"/>
-                                          </p:stCondLst>
-                                        </p:cTn>
-                                        <p:tgtEl>
-                                          <p:spTgt spid="3">
-                                            <p:txEl>
-                                              <p:pRg st="8" end="8"/>
-                                            </p:txEl>
-                                          </p:spTgt>
-                                        </p:tgtEl>
-                                        <p:attrNameLst>
-                                          <p:attrName>style.visibility</p:attrName>
-                                        </p:attrNameLst>
-                                      </p:cBhvr>
-                                      <p:to>
-                                        <p:strVal val="visible"/>
-                                      </p:to>
-                                    </p:set>
-                                  </p:childTnLst>
-                                </p:cTn>
-                              </p:par>
-                            </p:childTnLst>
-                          </p:cTn>
-                        </p:par>
-                      </p:childTnLst>
-                    </p:cTn>
-                  </p:par>
                 </p:childTnLst>
               </p:cTn>
               <p:prevCondLst>
@@ -15769,7 +15045,7 @@
             <a:pPr algn="l"/>
             <a:r>
               <a:rPr lang="en-GB" dirty="0"/>
-              <a:t>Some examples of mixed models used in the literature</a:t>
+              <a:t>Mixed models in the literature…</a:t>
             </a:r>
           </a:p>
         </p:txBody>
@@ -15818,17 +15094,89 @@
             <a:r>
               <a:rPr lang="en-GB" b="1" dirty="0">
                 <a:solidFill>
+                  <a:schemeClr val="tx2"/>
+                </a:solidFill>
+              </a:rPr>
+              <a:t>difficulty</a:t>
+            </a:r>
+            <a:r>
+              <a:rPr lang="en-GB" dirty="0"/>
+              <a:t> and </a:t>
+            </a:r>
+            <a:r>
+              <a:rPr lang="en-GB" b="1" dirty="0">
+                <a:solidFill>
+                  <a:schemeClr val="tx2"/>
+                </a:solidFill>
+              </a:rPr>
+              <a:t>signal-to-noise ratio </a:t>
+            </a:r>
+            <a:r>
+              <a:rPr lang="en-GB" dirty="0"/>
+              <a:t>on RT after accounting for </a:t>
+            </a:r>
+            <a:r>
+              <a:rPr lang="en-GB" b="1" dirty="0">
+                <a:solidFill>
+                  <a:srgbClr val="006600"/>
+                </a:solidFill>
+              </a:rPr>
+              <a:t>participant</a:t>
+            </a:r>
+            <a:r>
+              <a:rPr lang="en-GB" dirty="0"/>
+              <a:t> and </a:t>
+            </a:r>
+            <a:r>
+              <a:rPr lang="en-GB" b="1" dirty="0">
+                <a:solidFill>
+                  <a:srgbClr val="006600"/>
+                </a:solidFill>
+              </a:rPr>
+              <a:t>item</a:t>
+            </a:r>
+            <a:r>
+              <a:rPr lang="en-GB" dirty="0"/>
+              <a:t> effects (</a:t>
+            </a:r>
+            <a:r>
+              <a:rPr lang="en-GB" dirty="0">
+                <a:hlinkClick r:id="rId2"/>
+              </a:rPr>
+              <a:t>Brown, 2021</a:t>
+            </a:r>
+            <a:r>
+              <a:rPr lang="en-GB" dirty="0"/>
+              <a:t>).</a:t>
+            </a:r>
+          </a:p>
+          <a:p>
+            <a:r>
+              <a:rPr lang="en-GB" dirty="0"/>
+              <a:t>Predicting hallucinatory experiences from </a:t>
+            </a:r>
+            <a:r>
+              <a:rPr lang="en-GB" b="1" dirty="0">
+                <a:solidFill>
+                  <a:schemeClr val="tx2"/>
+                </a:solidFill>
+              </a:rPr>
+              <a:t>demographic</a:t>
+            </a:r>
+            <a:r>
+              <a:rPr lang="en-GB" b="1" dirty="0">
+                <a:solidFill>
                   <a:schemeClr val="tx2">
                     <a:lumMod val="60000"/>
                     <a:lumOff val="40000"/>
                   </a:schemeClr>
                 </a:solidFill>
               </a:rPr>
-              <a:t>difficulty</a:t>
+              <a:t> </a:t>
             </a:r>
             <a:r>
               <a:rPr lang="en-GB" dirty="0"/>
-              <a:t> and </a:t>
+              <a:t>variables</a:t>
             </a:r>
             <a:r>
               <a:rPr lang="en-GB" b="1" dirty="0">
@@ -15839,51 +15187,31 @@
                   </a:schemeClr>
                 </a:solidFill>
               </a:rPr>
-              <a:t>signal-to-noise ratio </a:t>
-            </a:r>
-            <a:r>
-              <a:rPr lang="en-GB" dirty="0"/>
-              <a:t>on RT after accounting for </a:t>
+              <a:t> </a:t>
             </a:r>
             <a:r>
               <a:rPr lang="en-GB" b="1" dirty="0">
                 <a:solidFill>
-                  <a:srgbClr val="00B050"/>
-                </a:solidFill>
-              </a:rPr>
-              <a:t>participant</a:t>
-            </a:r>
-            <a:r>
-              <a:rPr lang="en-GB" dirty="0"/>
-              <a:t> and </a:t>
+                  <a:schemeClr val="tx2"/>
+                </a:solidFill>
+              </a:rPr>
+              <a:t>(</a:t>
+            </a:r>
+            <a:r>
+              <a:rPr lang="en-GB" dirty="0">
+                <a:solidFill>
+                  <a:schemeClr val="tx2"/>
+                </a:solidFill>
+              </a:rPr>
+              <a:t>e.g., age, gender</a:t>
             </a:r>
             <a:r>
               <a:rPr lang="en-GB" b="1" dirty="0">
                 <a:solidFill>
-                  <a:srgbClr val="00B050"/>
-                </a:solidFill>
-              </a:rPr>
-              <a:t>item</a:t>
-            </a:r>
-            <a:r>
-              <a:rPr lang="en-GB" dirty="0"/>
-              <a:t> effects (</a:t>
-            </a:r>
-            <a:r>
-              <a:rPr lang="en-GB" dirty="0">
-                <a:hlinkClick r:id="rId2"/>
-              </a:rPr>
-              <a:t>Brown, 2021</a:t>
-            </a:r>
-            <a:r>
-              <a:rPr lang="en-GB" dirty="0"/>
-              <a:t>).</a:t>
-            </a:r>
-          </a:p>
-          <a:p>
-            <a:r>
-              <a:rPr lang="en-GB" dirty="0"/>
-              <a:t>Predicting hallucinatory experiences from </a:t>
+                  <a:schemeClr val="tx2"/>
+                </a:solidFill>
+              </a:rPr>
+              <a:t>),</a:t>
             </a:r>
             <a:r>
               <a:rPr lang="en-GB" b="1" dirty="0">
@@ -15894,44 +15222,7 @@
                   </a:schemeClr>
                 </a:solidFill>
               </a:rPr>
-              <a:t>demographic </a:t>
-            </a:r>
-            <a:r>
-              <a:rPr lang="en-GB" dirty="0"/>
-              <a:t>variables</a:t>
-            </a:r>
-            <a:r>
-              <a:rPr lang="en-GB" b="1" dirty="0">
-                <a:solidFill>
-                  <a:schemeClr val="tx2">
-                    <a:lumMod val="60000"/>
-                    <a:lumOff val="40000"/>
-                  </a:schemeClr>
-                </a:solidFill>
-              </a:rPr>
-              <a:t> (</a:t>
-            </a:r>
-            <a:r>
-              <a:rPr lang="en-GB" dirty="0">
-                <a:solidFill>
-                  <a:schemeClr val="tx2">
-                    <a:lumMod val="60000"/>
-                    <a:lumOff val="40000"/>
-                  </a:schemeClr>
-                </a:solidFill>
-              </a:rPr>
-              <a:t>e.g., age, gender</a:t>
-            </a:r>
-            <a:r>
-              <a:rPr lang="en-GB" b="1" dirty="0">
-                <a:solidFill>
-                  <a:schemeClr val="tx2">
-                    <a:lumMod val="60000"/>
-                    <a:lumOff val="40000"/>
-                  </a:schemeClr>
-                </a:solidFill>
-              </a:rPr>
-              <a:t>), </a:t>
+              <a:t> </a:t>
             </a:r>
             <a:r>
               <a:rPr lang="en-GB" dirty="0"/>
@@ -15940,10 +15231,7 @@
             <a:r>
               <a:rPr lang="en-GB" b="1" dirty="0">
                 <a:solidFill>
-                  <a:schemeClr val="tx2">
-                    <a:lumMod val="60000"/>
-                    <a:lumOff val="40000"/>
-                  </a:schemeClr>
+                  <a:schemeClr val="tx2"/>
                 </a:solidFill>
               </a:rPr>
               <a:t>measures of cognitive performance (</a:t>
@@ -15951,10 +15239,7 @@
             <a:r>
               <a:rPr lang="en-GB" dirty="0">
                 <a:solidFill>
-                  <a:schemeClr val="tx2">
-                    <a:lumMod val="60000"/>
-                    <a:lumOff val="40000"/>
-                  </a:schemeClr>
+                  <a:schemeClr val="tx2"/>
                 </a:solidFill>
               </a:rPr>
               <a:t>e.g., digit span</a:t>
@@ -15962,10 +15247,7 @@
             <a:r>
               <a:rPr lang="en-GB" b="1" dirty="0">
                 <a:solidFill>
-                  <a:schemeClr val="tx2">
-                    <a:lumMod val="60000"/>
-                    <a:lumOff val="40000"/>
-                  </a:schemeClr>
+                  <a:schemeClr val="tx2"/>
                 </a:solidFill>
               </a:rPr>
               <a:t>)</a:t>
@@ -15977,7 +15259,7 @@
             <a:r>
               <a:rPr lang="en-GB" b="1" dirty="0">
                 <a:solidFill>
-                  <a:srgbClr val="00B050"/>
+                  <a:srgbClr val="006600"/>
                 </a:solidFill>
               </a:rPr>
               <a:t>data-collection site </a:t>
@@ -16017,10 +15299,7 @@
             <a:r>
               <a:rPr lang="en-GB" b="1" dirty="0">
                 <a:solidFill>
-                  <a:schemeClr val="tx2">
-                    <a:lumMod val="60000"/>
-                    <a:lumOff val="40000"/>
-                  </a:schemeClr>
+                  <a:schemeClr val="tx2"/>
                 </a:solidFill>
               </a:rPr>
               <a:t>predictability</a:t>
@@ -16032,10 +15311,7 @@
             <a:r>
               <a:rPr lang="en-GB" b="1" dirty="0">
                 <a:solidFill>
-                  <a:schemeClr val="tx2">
-                    <a:lumMod val="60000"/>
-                    <a:lumOff val="40000"/>
-                  </a:schemeClr>
+                  <a:schemeClr val="tx2"/>
                 </a:solidFill>
               </a:rPr>
               <a:t>sequence position </a:t>
@@ -16047,10 +15323,18 @@
             <a:r>
               <a:rPr lang="en-GB" b="1" dirty="0">
                 <a:solidFill>
+                  <a:srgbClr val="006600"/>
+                </a:solidFill>
+              </a:rPr>
+              <a:t>participant</a:t>
+            </a:r>
+            <a:r>
+              <a:rPr lang="en-GB" b="1" dirty="0">
+                <a:solidFill>
                   <a:srgbClr val="00B050"/>
                 </a:solidFill>
               </a:rPr>
-              <a:t>participant </a:t>
+              <a:t> </a:t>
             </a:r>
             <a:r>
               <a:rPr lang="en-GB" dirty="0"/>
@@ -16087,10 +15371,7 @@
             <a:r>
               <a:rPr lang="en-GB" b="1" dirty="0">
                 <a:solidFill>
-                  <a:schemeClr val="tx2">
-                    <a:lumMod val="60000"/>
-                    <a:lumOff val="40000"/>
-                  </a:schemeClr>
+                  <a:schemeClr val="tx2"/>
                 </a:solidFill>
               </a:rPr>
               <a:t>experimental condition </a:t>
@@ -16102,7 +15383,7 @@
             <a:r>
               <a:rPr lang="en-GB" b="1" dirty="0">
                 <a:solidFill>
-                  <a:srgbClr val="00B050"/>
+                  <a:srgbClr val="006600"/>
                 </a:solidFill>
               </a:rPr>
               <a:t>participant</a:t>
@@ -16114,7 +15395,7 @@
             <a:r>
               <a:rPr lang="en-GB" b="1" dirty="0">
                 <a:solidFill>
-                  <a:srgbClr val="00B050"/>
+                  <a:srgbClr val="006600"/>
                 </a:solidFill>
               </a:rPr>
               <a:t>trial</a:t>
@@ -17202,7 +16483,7 @@
         </p:spPr>
         <p:txBody>
           <a:bodyPr>
-            <a:normAutofit fontScale="92500" lnSpcReduction="20000"/>
+            <a:normAutofit lnSpcReduction="10000"/>
           </a:bodyPr>
           <a:lstStyle/>
           <a:p>
@@ -17222,36 +16503,22 @@
           <a:p>
             <a:r>
               <a:rPr lang="en-GB" dirty="0"/>
-              <a:t>Also referred to as </a:t>
-            </a:r>
-            <a:r>
-              <a:rPr lang="en-GB" b="1" dirty="0">
-                <a:solidFill>
-                  <a:schemeClr val="tx2"/>
-                </a:solidFill>
-              </a:rPr>
-              <a:t>multi-level models (MLM)</a:t>
+              <a:t>A generalisation of multiple regression</a:t>
             </a:r>
           </a:p>
           <a:p>
             <a:r>
               <a:rPr lang="en-GB" dirty="0"/>
-              <a:t>An extension/generalisation of multiple regression</a:t>
-            </a:r>
+              <a:t>Increasingly popular in psychology</a:t>
+            </a:r>
+          </a:p>
+          <a:p>
+            <a:endParaRPr lang="en-GB" dirty="0"/>
           </a:p>
           <a:p>
             <a:r>
               <a:rPr lang="en-GB" dirty="0"/>
-              <a:t>Becoming more popular in psychology</a:t>
-            </a:r>
-          </a:p>
-          <a:p>
-            <a:endParaRPr lang="en-GB" dirty="0"/>
-          </a:p>
-          <a:p>
-            <a:r>
-              <a:rPr lang="en-GB" dirty="0"/>
-              <a:t>A way of </a:t>
+              <a:t>Accounts for </a:t>
             </a:r>
             <a:r>
               <a:rPr lang="en-GB" b="1" dirty="0">
@@ -17261,43 +16528,26 @@
                   </a:schemeClr>
                 </a:solidFill>
               </a:rPr>
-              <a:t>explicitly accounting for the dependencies between groupings or clusters</a:t>
-            </a:r>
-            <a:r>
-              <a:rPr lang="en-GB" dirty="0">
+              <a:t>the dependencies between groupings </a:t>
+            </a:r>
+            <a:r>
+              <a:rPr lang="en-GB" dirty="0"/>
+              <a:t>in the data</a:t>
+            </a:r>
+          </a:p>
+          <a:p>
+            <a:endParaRPr lang="en-GB" dirty="0"/>
+          </a:p>
+          <a:p>
+            <a:r>
+              <a:rPr lang="en-GB" b="1" dirty="0">
                 <a:solidFill>
                   <a:schemeClr val="accent1">
                     <a:lumMod val="50000"/>
                   </a:schemeClr>
                 </a:solidFill>
               </a:rPr>
-              <a:t> </a:t>
-            </a:r>
-            <a:r>
-              <a:rPr lang="en-GB" dirty="0"/>
-              <a:t>in the data</a:t>
-            </a:r>
-          </a:p>
-          <a:p>
-            <a:pPr lvl="1"/>
-            <a:r>
-              <a:rPr lang="en-GB" dirty="0"/>
-              <a:t>Unit of cluster can be single participant, classroom, hospital, etc.</a:t>
-            </a:r>
-          </a:p>
-          <a:p>
-            <a:endParaRPr lang="en-GB" dirty="0"/>
-          </a:p>
-          <a:p>
-            <a:r>
-              <a:rPr lang="en-GB" b="1" dirty="0">
-                <a:solidFill>
-                  <a:schemeClr val="accent1">
-                    <a:lumMod val="50000"/>
-                  </a:schemeClr>
-                </a:solidFill>
-              </a:rPr>
-              <a:t>Other advantages</a:t>
+              <a:t>Other known advantages</a:t>
             </a:r>
           </a:p>
           <a:p>
@@ -17584,7 +16834,7 @@
                                         <p:tgtEl>
                                           <p:spTgt spid="3">
                                             <p:txEl>
-                                              <p:pRg st="3" end="3"/>
+                                              <p:pRg st="4" end="4"/>
                                             </p:txEl>
                                           </p:spTgt>
                                         </p:tgtEl>
@@ -17633,7 +16883,7 @@
                                         <p:tgtEl>
                                           <p:spTgt spid="3">
                                             <p:txEl>
-                                              <p:pRg st="5" end="5"/>
+                                              <p:pRg st="6" end="6"/>
                                             </p:txEl>
                                           </p:spTgt>
                                         </p:tgtEl>
@@ -17682,7 +16932,7 @@
                                         <p:tgtEl>
                                           <p:spTgt spid="3">
                                             <p:txEl>
-                                              <p:pRg st="6" end="6"/>
+                                              <p:pRg st="7" end="7"/>
                                             </p:txEl>
                                           </p:spTgt>
                                         </p:tgtEl>
@@ -17697,33 +16947,15 @@
                                   </p:childTnLst>
                                 </p:cTn>
                               </p:par>
-                            </p:childTnLst>
-                          </p:cTn>
-                        </p:par>
-                      </p:childTnLst>
-                    </p:cTn>
-                  </p:par>
-                  <p:par>
-                    <p:cTn id="27" fill="hold">
-                      <p:stCondLst>
-                        <p:cond delay="indefinite"/>
-                      </p:stCondLst>
-                      <p:childTnLst>
-                        <p:par>
-                          <p:cTn id="28" fill="hold">
-                            <p:stCondLst>
-                              <p:cond delay="0"/>
-                            </p:stCondLst>
-                            <p:childTnLst>
                               <p:par>
-                                <p:cTn id="29" presetID="1" presetClass="entr" presetSubtype="0" fill="hold" nodeType="clickEffect">
+                                <p:cTn id="27" presetID="1" presetClass="entr" presetSubtype="0" fill="hold" nodeType="withEffect">
                                   <p:stCondLst>
                                     <p:cond delay="0"/>
                                   </p:stCondLst>
                                   <p:childTnLst>
                                     <p:set>
                                       <p:cBhvr>
-                                        <p:cTn id="30" dur="1" fill="hold">
+                                        <p:cTn id="28" dur="1" fill="hold">
                                           <p:stCondLst>
                                             <p:cond delay="0"/>
                                           </p:stCondLst>
@@ -17746,33 +16978,15 @@
                                   </p:childTnLst>
                                 </p:cTn>
                               </p:par>
-                            </p:childTnLst>
-                          </p:cTn>
-                        </p:par>
-                      </p:childTnLst>
-                    </p:cTn>
-                  </p:par>
-                  <p:par>
-                    <p:cTn id="31" fill="hold">
-                      <p:stCondLst>
-                        <p:cond delay="indefinite"/>
-                      </p:stCondLst>
-                      <p:childTnLst>
-                        <p:par>
-                          <p:cTn id="32" fill="hold">
-                            <p:stCondLst>
-                              <p:cond delay="0"/>
-                            </p:stCondLst>
-                            <p:childTnLst>
                               <p:par>
-                                <p:cTn id="33" presetID="1" presetClass="entr" presetSubtype="0" fill="hold" nodeType="clickEffect">
+                                <p:cTn id="29" presetID="1" presetClass="entr" presetSubtype="0" fill="hold" nodeType="withEffect">
                                   <p:stCondLst>
                                     <p:cond delay="0"/>
                                   </p:stCondLst>
                                   <p:childTnLst>
                                     <p:set>
                                       <p:cBhvr>
-                                        <p:cTn id="34" dur="1" fill="hold">
+                                        <p:cTn id="30" dur="1" fill="hold">
                                           <p:stCondLst>
                                             <p:cond delay="0"/>
                                           </p:stCondLst>
@@ -17781,68 +16995,6 @@
                                           <p:spTgt spid="3">
                                             <p:txEl>
                                               <p:pRg st="9" end="9"/>
-                                            </p:txEl>
-                                          </p:spTgt>
-                                        </p:tgtEl>
-                                        <p:attrNameLst>
-                                          <p:attrName>style.visibility</p:attrName>
-                                        </p:attrNameLst>
-                                      </p:cBhvr>
-                                      <p:to>
-                                        <p:strVal val="visible"/>
-                                      </p:to>
-                                    </p:set>
-                                  </p:childTnLst>
-                                </p:cTn>
-                              </p:par>
-                              <p:par>
-                                <p:cTn id="35" presetID="1" presetClass="entr" presetSubtype="0" fill="hold" nodeType="withEffect">
-                                  <p:stCondLst>
-                                    <p:cond delay="0"/>
-                                  </p:stCondLst>
-                                  <p:childTnLst>
-                                    <p:set>
-                                      <p:cBhvr>
-                                        <p:cTn id="36" dur="1" fill="hold">
-                                          <p:stCondLst>
-                                            <p:cond delay="0"/>
-                                          </p:stCondLst>
-                                        </p:cTn>
-                                        <p:tgtEl>
-                                          <p:spTgt spid="3">
-                                            <p:txEl>
-                                              <p:pRg st="10" end="10"/>
-                                            </p:txEl>
-                                          </p:spTgt>
-                                        </p:tgtEl>
-                                        <p:attrNameLst>
-                                          <p:attrName>style.visibility</p:attrName>
-                                        </p:attrNameLst>
-                                      </p:cBhvr>
-                                      <p:to>
-                                        <p:strVal val="visible"/>
-                                      </p:to>
-                                    </p:set>
-                                  </p:childTnLst>
-                                </p:cTn>
-                              </p:par>
-                              <p:par>
-                                <p:cTn id="37" presetID="1" presetClass="entr" presetSubtype="0" fill="hold" nodeType="withEffect">
-                                  <p:stCondLst>
-                                    <p:cond delay="0"/>
-                                  </p:stCondLst>
-                                  <p:childTnLst>
-                                    <p:set>
-                                      <p:cBhvr>
-                                        <p:cTn id="38" dur="1" fill="hold">
-                                          <p:stCondLst>
-                                            <p:cond delay="0"/>
-                                          </p:stCondLst>
-                                        </p:cTn>
-                                        <p:tgtEl>
-                                          <p:spTgt spid="3">
-                                            <p:txEl>
-                                              <p:pRg st="11" end="11"/>
                                             </p:txEl>
                                           </p:spTgt>
                                         </p:tgtEl>
@@ -17934,7 +17086,7 @@
             <a:r>
               <a:rPr lang="en-GB" dirty="0">
                 <a:solidFill>
-                  <a:srgbClr val="00B0F0"/>
+                  <a:schemeClr val="accent1"/>
                 </a:solidFill>
               </a:rPr>
               <a:t>Fixed</a:t>
@@ -17982,7 +17134,7 @@
         </p:spPr>
         <p:txBody>
           <a:bodyPr>
-            <a:normAutofit fontScale="92500" lnSpcReduction="10000"/>
+            <a:normAutofit lnSpcReduction="10000"/>
           </a:bodyPr>
           <a:lstStyle/>
           <a:p>
@@ -17990,7 +17142,7 @@
             <a:r>
               <a:rPr lang="en-GB" sz="2400" b="1" dirty="0">
                 <a:solidFill>
-                  <a:srgbClr val="00B0F0"/>
+                  <a:schemeClr val="accent1"/>
                 </a:solidFill>
               </a:rPr>
               <a:t>Fixed effect</a:t>
@@ -18004,19 +17156,21 @@
             <a:pPr marL="857250" lvl="2" indent="-282575"/>
             <a:r>
               <a:rPr lang="en-GB" sz="2400" dirty="0"/>
-              <a:t>An effect we think </a:t>
+              <a:t>An effect thought to </a:t>
             </a:r>
             <a:r>
               <a:rPr lang="en-GB" sz="2400" dirty="0">
                 <a:solidFill>
-                  <a:srgbClr val="00B0F0"/>
-                </a:solidFill>
-              </a:rPr>
-              <a:t>generalises</a:t>
+                  <a:schemeClr val="accent1">
+                    <a:lumMod val="75000"/>
+                  </a:schemeClr>
+                </a:solidFill>
+              </a:rPr>
+              <a:t>generalise</a:t>
             </a:r>
             <a:r>
               <a:rPr lang="en-GB" sz="2400" dirty="0"/>
-              <a:t> to the population (and would replicate).</a:t>
+              <a:t> to the population.</a:t>
             </a:r>
           </a:p>
           <a:p>
@@ -18028,37 +17182,16 @@
             <a:r>
               <a:rPr lang="en-GB" sz="2400" dirty="0">
                 <a:solidFill>
-                  <a:srgbClr val="00B0F0"/>
+                  <a:schemeClr val="accent1">
+                    <a:lumMod val="75000"/>
+                  </a:schemeClr>
                 </a:solidFill>
               </a:rPr>
               <a:t>independent variable</a:t>
             </a:r>
             <a:r>
-              <a:rPr lang="en-GB" sz="2400" dirty="0">
-                <a:solidFill>
-                  <a:schemeClr val="tx2">
-                    <a:lumMod val="60000"/>
-                    <a:lumOff val="40000"/>
-                  </a:schemeClr>
-                </a:solidFill>
-              </a:rPr>
-              <a:t> </a:t>
-            </a:r>
-            <a:r>
               <a:rPr lang="en-GB" sz="2400" dirty="0"/>
-              <a:t>(e.g., </a:t>
-            </a:r>
-            <a:r>
-              <a:rPr lang="en-GB" sz="2400" dirty="0">
-                <a:solidFill>
-                  <a:srgbClr val="00B0F0"/>
-                </a:solidFill>
-              </a:rPr>
-              <a:t>difficulty</a:t>
-            </a:r>
-            <a:r>
-              <a:rPr lang="en-GB" sz="2400" dirty="0"/>
-              <a:t>).</a:t>
+              <a:t>.</a:t>
             </a:r>
           </a:p>
           <a:p>
@@ -18088,14 +17221,14 @@
             <a:pPr marL="857250" lvl="2" indent="-282575"/>
             <a:r>
               <a:rPr lang="en-GB" sz="2400" dirty="0"/>
-              <a:t>May also explain variance in the outcome variable</a:t>
+              <a:t>Explains variance in the outcome variable</a:t>
             </a:r>
           </a:p>
           <a:p>
             <a:pPr marL="857250" lvl="2" indent="-282575"/>
             <a:r>
               <a:rPr lang="en-GB" sz="2400" dirty="0"/>
-              <a:t>but is treated as a ‘nuisance’ background variable and is not (typically) individually assessed (although you can in LMMs).</a:t>
+              <a:t>but is usually treated as a ‘nuisance’ background variable</a:t>
             </a:r>
           </a:p>
           <a:p>
@@ -18112,21 +17245,7 @@
                   </a:schemeClr>
                 </a:solidFill>
               </a:rPr>
-              <a:t>grouping factor </a:t>
-            </a:r>
-            <a:r>
-              <a:rPr lang="en-GB" sz="2400" dirty="0"/>
-              <a:t>or </a:t>
-            </a:r>
-            <a:r>
-              <a:rPr lang="en-GB" sz="2400" i="1" dirty="0">
-                <a:solidFill>
-                  <a:schemeClr val="tx2">
-                    <a:lumMod val="50000"/>
-                  </a:schemeClr>
-                </a:solidFill>
-              </a:rPr>
-              <a:t>grouping variable</a:t>
+              <a:t>grouping factor</a:t>
             </a:r>
             <a:r>
               <a:rPr lang="en-GB" sz="2400" i="1" dirty="0"/>
@@ -18149,7 +17268,7 @@
                   <a:srgbClr val="00B050"/>
                 </a:solidFill>
               </a:rPr>
-              <a:t>categorical/nominal variable</a:t>
+              <a:t>categorical variable</a:t>
             </a:r>
             <a:r>
               <a:rPr lang="en-GB" sz="2400" dirty="0"/>
@@ -18882,7 +18001,7 @@
               <a:t>We usually want to know the </a:t>
             </a:r>
             <a:r>
-              <a:rPr lang="en-GB" sz="2800" dirty="0">
+              <a:rPr lang="en-GB" sz="2800" b="1" dirty="0">
                 <a:solidFill>
                   <a:srgbClr val="0070C0"/>
                 </a:solidFill>
@@ -18904,7 +18023,7 @@
               <a:t> accounting for any </a:t>
             </a:r>
             <a:r>
-              <a:rPr lang="en-GB" sz="2800" dirty="0">
+              <a:rPr lang="en-GB" sz="2800" b="1" dirty="0">
                 <a:solidFill>
                   <a:srgbClr val="00B050"/>
                 </a:solidFill>
@@ -18963,14 +18082,8 @@
                   </a:schemeClr>
                 </a:solidFill>
               </a:rPr>
-              <a:t>several fixed and random effects </a:t>
-            </a:r>
-            <a:r>
-              <a:rPr lang="en-GB" sz="2800" dirty="0"/>
-              <a:t>in an LMM</a:t>
-            </a:r>
-          </a:p>
-          <a:p>
+              <a:t>several fixed and random effects</a:t>
+            </a:r>
             <a:endParaRPr lang="en-GB" sz="2800" dirty="0"/>
           </a:p>
           <a:p>
@@ -19172,7 +18285,7 @@
                                         <p:tgtEl>
                                           <p:spTgt spid="3">
                                             <p:txEl>
-                                              <p:pRg st="4" end="4"/>
+                                              <p:pRg st="3" end="3"/>
                                             </p:txEl>
                                           </p:spTgt>
                                         </p:tgtEl>
@@ -19315,8 +18428,8 @@
         </p:nvSpPr>
         <p:spPr>
           <a:xfrm>
-            <a:off x="738620" y="938814"/>
-            <a:ext cx="5500101" cy="5121275"/>
+            <a:off x="738620" y="1248342"/>
+            <a:ext cx="5500101" cy="4811747"/>
           </a:xfrm>
         </p:spPr>
         <p:txBody>
@@ -19336,7 +18449,7 @@
                   <a:srgbClr val="00B050"/>
                 </a:solidFill>
               </a:rPr>
-              <a:t>random effect (e.g., participant, item, testing location) </a:t>
+              <a:t>random effect (e.g., participant, item) </a:t>
             </a:r>
             <a:r>
               <a:rPr lang="en-GB" sz="2000" dirty="0"/>
@@ -19379,7 +18492,7 @@
               <a:t>(e.g., </a:t>
             </a:r>
             <a:r>
-              <a:rPr lang="en-GB" sz="2000" dirty="0">
+              <a:rPr lang="en-GB" sz="2000" b="1" dirty="0">
                 <a:solidFill>
                   <a:schemeClr val="tx2">
                     <a:lumMod val="60000"/>
@@ -19402,27 +18515,7 @@
             <a:pPr marL="457200" lvl="1" indent="-282575"/>
             <a:r>
               <a:rPr lang="en-GB" sz="2000" dirty="0"/>
-              <a:t>Once </a:t>
-            </a:r>
-            <a:r>
-              <a:rPr lang="en-GB" sz="2000" b="1" dirty="0">
-                <a:solidFill>
-                  <a:srgbClr val="00B050"/>
-                </a:solidFill>
-              </a:rPr>
-              <a:t>the random effect</a:t>
-            </a:r>
-            <a:r>
-              <a:rPr lang="en-GB" sz="2000" dirty="0">
-                <a:solidFill>
-                  <a:srgbClr val="00B050"/>
-                </a:solidFill>
-              </a:rPr>
-              <a:t>s </a:t>
-            </a:r>
-            <a:r>
-              <a:rPr lang="en-GB" sz="2000" dirty="0"/>
-              <a:t>have been accounted for, the </a:t>
+              <a:t>The </a:t>
             </a:r>
             <a:r>
               <a:rPr lang="en-GB" sz="2000" b="1" dirty="0">
@@ -19468,29 +18561,7 @@
             <a:pPr marL="457200" lvl="1" indent="-282575"/>
             <a:r>
               <a:rPr lang="en-GB" sz="2000" dirty="0"/>
-              <a:t>It’s therefore more likely there’s evidence for </a:t>
-            </a:r>
-            <a:r>
-              <a:rPr lang="en-GB" sz="2000" b="1" dirty="0">
-                <a:solidFill>
-                  <a:schemeClr val="tx2">
-                    <a:lumMod val="60000"/>
-                    <a:lumOff val="40000"/>
-                  </a:schemeClr>
-                </a:solidFill>
-              </a:rPr>
-              <a:t>the fixed effect’s </a:t>
-            </a:r>
-            <a:r>
-              <a:rPr lang="en-GB" sz="2000" dirty="0"/>
-              <a:t>unique contribution to the prediction of the outcome </a:t>
-            </a:r>
-          </a:p>
-          <a:p>
-            <a:pPr marL="857250" lvl="2" indent="-282575"/>
-            <a:r>
-              <a:rPr lang="en-GB" sz="1800" dirty="0"/>
-              <a:t>i.e., greater power to detect fixed effect</a:t>
+              <a:t>Therefore, there’s typically greater power to detect the fixed effect.</a:t>
             </a:r>
             <a:br>
               <a:rPr lang="en-GB" sz="2000" dirty="0"/>
@@ -21277,7 +20348,7 @@
                             </p:stCondLst>
                             <p:childTnLst>
                               <p:par>
-                                <p:cTn id="71" presetID="1" presetClass="entr" presetSubtype="0" fill="hold" nodeType="clickEffect">
+                                <p:cTn id="71" presetID="2" presetClass="entr" presetSubtype="4" fill="hold" grpId="0" nodeType="clickEffect">
                                   <p:stCondLst>
                                     <p:cond delay="0"/>
                                   </p:stCondLst>
@@ -21285,55 +20356,6 @@
                                     <p:set>
                                       <p:cBhvr>
                                         <p:cTn id="72" dur="1" fill="hold">
-                                          <p:stCondLst>
-                                            <p:cond delay="0"/>
-                                          </p:stCondLst>
-                                        </p:cTn>
-                                        <p:tgtEl>
-                                          <p:spTgt spid="3">
-                                            <p:txEl>
-                                              <p:pRg st="7" end="7"/>
-                                            </p:txEl>
-                                          </p:spTgt>
-                                        </p:tgtEl>
-                                        <p:attrNameLst>
-                                          <p:attrName>style.visibility</p:attrName>
-                                        </p:attrNameLst>
-                                      </p:cBhvr>
-                                      <p:to>
-                                        <p:strVal val="visible"/>
-                                      </p:to>
-                                    </p:set>
-                                  </p:childTnLst>
-                                </p:cTn>
-                              </p:par>
-                            </p:childTnLst>
-                          </p:cTn>
-                        </p:par>
-                      </p:childTnLst>
-                    </p:cTn>
-                  </p:par>
-                  <p:par>
-                    <p:cTn id="73" fill="hold">
-                      <p:stCondLst>
-                        <p:cond delay="indefinite"/>
-                      </p:stCondLst>
-                      <p:childTnLst>
-                        <p:par>
-                          <p:cTn id="74" fill="hold">
-                            <p:stCondLst>
-                              <p:cond delay="0"/>
-                            </p:stCondLst>
-                            <p:childTnLst>
-                              <p:par>
-                                <p:cTn id="75" presetID="2" presetClass="entr" presetSubtype="4" fill="hold" grpId="0" nodeType="clickEffect">
-                                  <p:stCondLst>
-                                    <p:cond delay="0"/>
-                                  </p:stCondLst>
-                                  <p:childTnLst>
-                                    <p:set>
-                                      <p:cBhvr>
-                                        <p:cTn id="76" dur="1" fill="hold">
                                           <p:stCondLst>
                                             <p:cond delay="0"/>
                                           </p:stCondLst>
@@ -21351,7 +20373,7 @@
                                     </p:set>
                                     <p:anim calcmode="lin" valueType="num">
                                       <p:cBhvr additive="base">
-                                        <p:cTn id="77" dur="500" fill="hold"/>
+                                        <p:cTn id="73" dur="500" fill="hold"/>
                                         <p:tgtEl>
                                           <p:spTgt spid="8"/>
                                         </p:tgtEl>
@@ -21374,7 +20396,7 @@
                                     </p:anim>
                                     <p:anim calcmode="lin" valueType="num">
                                       <p:cBhvr additive="base">
-                                        <p:cTn id="78" dur="500" fill="hold"/>
+                                        <p:cTn id="74" dur="500" fill="hold"/>
                                         <p:tgtEl>
                                           <p:spTgt spid="8"/>
                                         </p:tgtEl>
@@ -21485,7 +20507,7 @@
           <a:lstStyle/>
           <a:p>
             <a:r>
-              <a:rPr lang="en-GB" sz="3200" dirty="0"/>
+              <a:rPr lang="en-GB" sz="2400" dirty="0"/>
               <a:t>Conceptual representation: Regression Line</a:t>
             </a:r>
             <a:br>
@@ -21562,8 +20584,8 @@
         </p:blipFill>
         <p:spPr>
           <a:xfrm>
-            <a:off x="1496786" y="1417638"/>
-            <a:ext cx="5681502" cy="4058216"/>
+            <a:off x="1780053" y="1417638"/>
+            <a:ext cx="5114967" cy="4058216"/>
           </a:xfrm>
           <a:prstGeom prst="rect">
             <a:avLst/>
@@ -21585,7 +20607,7 @@
         <p:spPr>
           <a:xfrm>
             <a:off x="-1" y="5844698"/>
-            <a:ext cx="7737231" cy="923330"/>
+            <a:ext cx="7737231" cy="830997"/>
           </a:xfrm>
           <a:prstGeom prst="rect">
             <a:avLst/>
@@ -21599,7 +20621,7 @@
           <a:lstStyle/>
           <a:p>
             <a:r>
-              <a:rPr lang="en-GB" b="0" i="0" dirty="0">
+              <a:rPr lang="en-GB" sz="1600" b="0" i="0" dirty="0">
                 <a:solidFill>
                   <a:schemeClr val="bg1">
                     <a:lumMod val="50000"/>
@@ -21611,7 +20633,7 @@
               <a:t>Brown, V. A. (2021). An introduction to linear mixed-effects </a:t>
             </a:r>
             <a:r>
-              <a:rPr lang="en-GB" b="0" i="0" dirty="0" err="1">
+              <a:rPr lang="en-GB" sz="1600" b="0" i="0" dirty="0" err="1">
                 <a:solidFill>
                   <a:schemeClr val="bg1">
                     <a:lumMod val="50000"/>
@@ -21623,7 +20645,7 @@
               <a:t>modeling</a:t>
             </a:r>
             <a:r>
-              <a:rPr lang="en-GB" b="0" i="0" dirty="0">
+              <a:rPr lang="en-GB" sz="1600" b="0" i="0" dirty="0">
                 <a:solidFill>
                   <a:schemeClr val="bg1">
                     <a:lumMod val="50000"/>
@@ -21635,7 +20657,7 @@
               <a:t> in R. </a:t>
             </a:r>
             <a:r>
-              <a:rPr lang="en-GB" b="0" i="1" dirty="0">
+              <a:rPr lang="en-GB" sz="1600" b="0" i="1" dirty="0">
                 <a:solidFill>
                   <a:schemeClr val="bg1">
                     <a:lumMod val="50000"/>
@@ -21647,7 +20669,7 @@
               <a:t>Advances in Methods and Practices in Psychological Science, 4</a:t>
             </a:r>
             <a:r>
-              <a:rPr lang="en-GB" b="0" i="0" dirty="0">
+              <a:rPr lang="en-GB" sz="1600" b="0" i="0" dirty="0">
                 <a:solidFill>
                   <a:schemeClr val="bg1">
                     <a:lumMod val="50000"/>
@@ -21659,7 +20681,7 @@
               <a:t>(1), Article 2515245920960351. </a:t>
             </a:r>
             <a:r>
-              <a:rPr lang="en-GB" b="0" i="0" u="none" strike="noStrike" dirty="0">
+              <a:rPr lang="en-GB" sz="1600" b="0" i="0" u="none" strike="noStrike" dirty="0">
                 <a:solidFill>
                   <a:schemeClr val="bg1">
                     <a:lumMod val="50000"/>
@@ -21677,7 +20699,7 @@
               </a:rPr>
               <a:t>https://doi.org/10.1177/2515245920960351</a:t>
             </a:r>
-            <a:endParaRPr lang="en-GB" dirty="0">
+            <a:endParaRPr lang="en-GB" sz="1600" dirty="0">
               <a:solidFill>
                 <a:schemeClr val="bg1">
                   <a:lumMod val="50000"/>
@@ -21743,7 +20765,7 @@
         <p:spPr>
           <a:xfrm>
             <a:off x="8424297" y="1702311"/>
-            <a:ext cx="3462904" cy="2185214"/>
+            <a:ext cx="3158103" cy="2062103"/>
           </a:xfrm>
           <a:prstGeom prst="rect">
             <a:avLst/>
@@ -21759,25 +20781,17 @@
           <a:lstStyle/>
           <a:p>
             <a:r>
-              <a:rPr lang="en-GB" sz="2400" dirty="0">
-                <a:solidFill>
-                  <a:schemeClr val="tx2"/>
-                </a:solidFill>
-              </a:rPr>
+              <a:rPr lang="en-GB" sz="2400" dirty="0"/>
               <a:t>Simple example:</a:t>
             </a:r>
           </a:p>
           <a:p>
             <a:r>
-              <a:rPr lang="en-GB" sz="2400" dirty="0">
-                <a:solidFill>
-                  <a:schemeClr val="tx2"/>
-                </a:solidFill>
-              </a:rPr>
+              <a:rPr lang="en-GB" sz="2000" dirty="0"/>
               <a:t>The effects of word </a:t>
             </a:r>
             <a:r>
-              <a:rPr lang="en-GB" sz="2400" b="1" dirty="0">
+              <a:rPr lang="en-GB" sz="2000" b="1" dirty="0">
                 <a:solidFill>
                   <a:schemeClr val="tx2">
                     <a:lumMod val="60000"/>
@@ -21788,30 +20802,39 @@
               <a:t>difficulty</a:t>
             </a:r>
             <a:r>
-              <a:rPr lang="en-GB" sz="2400" dirty="0">
+              <a:rPr lang="en-GB" sz="2000" dirty="0">
                 <a:solidFill>
                   <a:schemeClr val="tx2"/>
                 </a:solidFill>
               </a:rPr>
-              <a:t> on RT</a:t>
-            </a:r>
-          </a:p>
-          <a:p>
-            <a:endParaRPr lang="en-GB" sz="2400" dirty="0">
-              <a:solidFill>
-                <a:schemeClr val="tx2"/>
-              </a:solidFill>
-            </a:endParaRPr>
-          </a:p>
-          <a:p>
+              <a:t> </a:t>
+            </a:r>
+            <a:r>
+              <a:rPr lang="en-GB" sz="2000" dirty="0"/>
+              <a:t>on RT</a:t>
+            </a:r>
+          </a:p>
+          <a:p>
+            <a:endParaRPr lang="en-GB" sz="2400" dirty="0"/>
+          </a:p>
+          <a:p>
+            <a:r>
+              <a:rPr lang="en-GB" sz="2000" dirty="0"/>
+              <a:t>Each ppt represented by diff type symbol (</a:t>
+            </a:r>
             <a:r>
               <a:rPr lang="en-GB" sz="2000" dirty="0">
-                <a:solidFill>
-                  <a:schemeClr val="tx2"/>
-                </a:solidFill>
-              </a:rPr>
-              <a:t>Each ppt represented by diff type symbol</a:t>
-            </a:r>
+                <a:sym typeface="Wingdings" panose="05000000000000000000" pitchFamily="2" charset="2"/>
+              </a:rPr>
+              <a:t>, </a:t>
+            </a:r>
+            <a:r>
+              <a:rPr lang="en-GB" sz="2000" dirty="0">
+                <a:sym typeface="Wingdings 3" panose="05040102010807070707" pitchFamily="18" charset="2"/>
+              </a:rPr>
+              <a:t> etc.)</a:t>
+            </a:r>
+            <a:endParaRPr lang="en-GB" sz="2000" dirty="0"/>
           </a:p>
         </p:txBody>
       </p:sp>
@@ -22073,8 +21096,8 @@
         </p:blipFill>
         <p:spPr>
           <a:xfrm>
-            <a:off x="1497213" y="1417638"/>
-            <a:ext cx="5868219" cy="4191585"/>
+            <a:off x="1789790" y="1417638"/>
+            <a:ext cx="5283065" cy="4191585"/>
           </a:xfrm>
           <a:prstGeom prst="rect">
             <a:avLst/>
@@ -22096,7 +21119,7 @@
         <p:spPr>
           <a:xfrm>
             <a:off x="-1" y="5844698"/>
-            <a:ext cx="7737231" cy="923330"/>
+            <a:ext cx="7737231" cy="830997"/>
           </a:xfrm>
           <a:prstGeom prst="rect">
             <a:avLst/>
@@ -22110,7 +21133,7 @@
           <a:lstStyle/>
           <a:p>
             <a:r>
-              <a:rPr lang="en-GB" b="0" i="0" dirty="0">
+              <a:rPr lang="en-GB" sz="1600" b="0" i="0" dirty="0">
                 <a:solidFill>
                   <a:schemeClr val="bg1">
                     <a:lumMod val="50000"/>
@@ -22122,7 +21145,7 @@
               <a:t>Brown, V. A. (2021). An introduction to linear mixed-effects </a:t>
             </a:r>
             <a:r>
-              <a:rPr lang="en-GB" b="0" i="0" dirty="0" err="1">
+              <a:rPr lang="en-GB" sz="1600" b="0" i="0" dirty="0" err="1">
                 <a:solidFill>
                   <a:schemeClr val="bg1">
                     <a:lumMod val="50000"/>
@@ -22134,7 +21157,7 @@
               <a:t>modeling</a:t>
             </a:r>
             <a:r>
-              <a:rPr lang="en-GB" b="0" i="0" dirty="0">
+              <a:rPr lang="en-GB" sz="1600" b="0" i="0" dirty="0">
                 <a:solidFill>
                   <a:schemeClr val="bg1">
                     <a:lumMod val="50000"/>
@@ -22146,7 +21169,7 @@
               <a:t> in R. </a:t>
             </a:r>
             <a:r>
-              <a:rPr lang="en-GB" b="0" i="1" dirty="0">
+              <a:rPr lang="en-GB" sz="1600" b="0" i="1" dirty="0">
                 <a:solidFill>
                   <a:schemeClr val="bg1">
                     <a:lumMod val="50000"/>
@@ -22158,7 +21181,7 @@
               <a:t>Advances in Methods and Practices in Psychological Science, 4</a:t>
             </a:r>
             <a:r>
-              <a:rPr lang="en-GB" b="0" i="0" dirty="0">
+              <a:rPr lang="en-GB" sz="1600" b="0" i="0" dirty="0">
                 <a:solidFill>
                   <a:schemeClr val="bg1">
                     <a:lumMod val="50000"/>
@@ -22170,7 +21193,7 @@
               <a:t>(1), Article 2515245920960351. </a:t>
             </a:r>
             <a:r>
-              <a:rPr lang="en-GB" b="0" i="0" u="none" strike="noStrike" dirty="0">
+              <a:rPr lang="en-GB" sz="1600" b="0" i="0" u="none" strike="noStrike" dirty="0">
                 <a:solidFill>
                   <a:schemeClr val="bg1">
                     <a:lumMod val="50000"/>
@@ -22188,7 +21211,7 @@
               </a:rPr>
               <a:t>https://doi.org/10.1177/2515245920960351</a:t>
             </a:r>
-            <a:endParaRPr lang="en-GB" dirty="0">
+            <a:endParaRPr lang="en-GB" sz="1600" dirty="0">
               <a:solidFill>
                 <a:schemeClr val="bg1">
                   <a:lumMod val="50000"/>
@@ -22234,8 +21257,21 @@
                   <a:schemeClr val="tx2"/>
                 </a:solidFill>
               </a:rPr>
-              <a:t>Smaller residual error (vertical distances)</a:t>
-            </a:r>
+              <a:t>The residual error </a:t>
+            </a:r>
+            <a:r>
+              <a:rPr lang="en-GB" sz="2400" b="1" i="1" dirty="0">
+                <a:solidFill>
+                  <a:schemeClr val="tx2"/>
+                </a:solidFill>
+              </a:rPr>
+              <a:t>decreases</a:t>
+            </a:r>
+            <a:endParaRPr lang="en-GB" sz="2400" b="1" dirty="0">
+              <a:solidFill>
+                <a:schemeClr val="tx2"/>
+              </a:solidFill>
+            </a:endParaRPr>
           </a:p>
         </p:txBody>
       </p:sp>
@@ -22291,7 +21327,7 @@
                   <a:schemeClr val="tx2"/>
                 </a:solidFill>
               </a:rPr>
-              <a:t> now modelled as having their own </a:t>
+              <a:t> is now modelled as having their own regression line with its own </a:t>
             </a:r>
             <a:r>
               <a:rPr lang="en-GB" sz="2400" b="1" dirty="0">
@@ -22301,14 +21337,11 @@
               </a:rPr>
               <a:t>intercept</a:t>
             </a:r>
-            <a:r>
-              <a:rPr lang="en-GB" sz="2400" dirty="0">
-                <a:solidFill>
-                  <a:schemeClr val="tx2"/>
-                </a:solidFill>
-              </a:rPr>
-              <a:t> (own regression line)</a:t>
-            </a:r>
+            <a:endParaRPr lang="en-GB" sz="2400" dirty="0">
+              <a:solidFill>
+                <a:schemeClr val="tx2"/>
+              </a:solidFill>
+            </a:endParaRPr>
           </a:p>
         </p:txBody>
       </p:sp>
@@ -22341,11 +21374,11 @@
           <a:lstStyle/>
           <a:p>
             <a:r>
-              <a:rPr lang="en-GB" sz="3200" dirty="0"/>
+              <a:rPr lang="en-GB" sz="2400" dirty="0"/>
               <a:t>Conceptual representation: Regression Line</a:t>
             </a:r>
             <a:br>
-              <a:rPr lang="en-GB" sz="3200" dirty="0"/>
+              <a:rPr lang="en-GB" sz="2400" dirty="0"/>
             </a:br>
             <a:r>
               <a:rPr lang="en-GB" sz="2400" dirty="0"/>
@@ -22573,8 +21606,8 @@
         </p:blipFill>
         <p:spPr>
           <a:xfrm>
-            <a:off x="1376500" y="1233181"/>
-            <a:ext cx="6148293" cy="4391638"/>
+            <a:off x="1683041" y="1233181"/>
+            <a:ext cx="5311882" cy="4214448"/>
           </a:xfrm>
           <a:prstGeom prst="rect">
             <a:avLst/>
@@ -22596,7 +21629,7 @@
         <p:spPr>
           <a:xfrm>
             <a:off x="-1" y="5844698"/>
-            <a:ext cx="7737231" cy="923330"/>
+            <a:ext cx="7737231" cy="830997"/>
           </a:xfrm>
           <a:prstGeom prst="rect">
             <a:avLst/>
@@ -22610,7 +21643,7 @@
           <a:lstStyle/>
           <a:p>
             <a:r>
-              <a:rPr lang="en-GB" b="0" i="0" dirty="0">
+              <a:rPr lang="en-GB" sz="1600" b="0" i="0" dirty="0">
                 <a:solidFill>
                   <a:schemeClr val="bg1">
                     <a:lumMod val="50000"/>
@@ -22622,7 +21655,7 @@
               <a:t>Brown, V. A. (2021). An introduction to linear mixed-effects </a:t>
             </a:r>
             <a:r>
-              <a:rPr lang="en-GB" b="0" i="0" dirty="0" err="1">
+              <a:rPr lang="en-GB" sz="1600" b="0" i="0" dirty="0" err="1">
                 <a:solidFill>
                   <a:schemeClr val="bg1">
                     <a:lumMod val="50000"/>
@@ -22634,7 +21667,7 @@
               <a:t>modeling</a:t>
             </a:r>
             <a:r>
-              <a:rPr lang="en-GB" b="0" i="0" dirty="0">
+              <a:rPr lang="en-GB" sz="1600" b="0" i="0" dirty="0">
                 <a:solidFill>
                   <a:schemeClr val="bg1">
                     <a:lumMod val="50000"/>
@@ -22646,7 +21679,7 @@
               <a:t> in R. </a:t>
             </a:r>
             <a:r>
-              <a:rPr lang="en-GB" b="0" i="1" dirty="0">
+              <a:rPr lang="en-GB" sz="1600" b="0" i="1" dirty="0">
                 <a:solidFill>
                   <a:schemeClr val="bg1">
                     <a:lumMod val="50000"/>
@@ -22658,7 +21691,7 @@
               <a:t>Advances in Methods and Practices in Psychological Science, 4</a:t>
             </a:r>
             <a:r>
-              <a:rPr lang="en-GB" b="0" i="0" dirty="0">
+              <a:rPr lang="en-GB" sz="1600" b="0" i="0" dirty="0">
                 <a:solidFill>
                   <a:schemeClr val="bg1">
                     <a:lumMod val="50000"/>
@@ -22670,7 +21703,7 @@
               <a:t>(1), Article 2515245920960351. </a:t>
             </a:r>
             <a:r>
-              <a:rPr lang="en-GB" b="0" i="0" u="none" strike="noStrike" dirty="0">
+              <a:rPr lang="en-GB" sz="1600" b="0" i="0" u="none" strike="noStrike" dirty="0">
                 <a:solidFill>
                   <a:schemeClr val="bg1">
                     <a:lumMod val="50000"/>
@@ -22688,7 +21721,7 @@
               </a:rPr>
               <a:t>https://doi.org/10.1177/2515245920960351</a:t>
             </a:r>
-            <a:endParaRPr lang="en-GB" dirty="0">
+            <a:endParaRPr lang="en-GB" sz="1600" dirty="0">
               <a:solidFill>
                 <a:schemeClr val="bg1">
                   <a:lumMod val="50000"/>
@@ -22714,7 +21747,7 @@
         </p:nvSpPr>
         <p:spPr>
           <a:xfrm>
-            <a:off x="762000" y="125728"/>
+            <a:off x="521368" y="250840"/>
             <a:ext cx="10972800" cy="1143000"/>
           </a:xfrm>
           <a:prstGeom prst="rect">
@@ -22743,7 +21776,7 @@
           </a:lstStyle>
           <a:p>
             <a:r>
-              <a:rPr lang="en-GB" dirty="0"/>
+              <a:rPr lang="en-GB" sz="2400" dirty="0"/>
               <a:t>Conceptual representation: Regression Line</a:t>
             </a:r>
             <a:br>
@@ -22795,12 +21828,16 @@
           <a:lstStyle/>
           <a:p>
             <a:r>
-              <a:rPr lang="en-GB" sz="2400" dirty="0">
+              <a:rPr lang="en-GB" sz="2400" dirty="0"/>
+              <a:t>The residual error </a:t>
+            </a:r>
+            <a:r>
+              <a:rPr lang="en-GB" sz="2400" b="1" i="1" dirty="0">
                 <a:solidFill>
                   <a:schemeClr val="tx2"/>
                 </a:solidFill>
               </a:rPr>
-              <a:t>Even smaller residual error (vertical distances)</a:t>
+              <a:t>decreases even more</a:t>
             </a:r>
           </a:p>
         </p:txBody>
@@ -22836,12 +21873,16 @@
           <a:lstStyle/>
           <a:p>
             <a:r>
+              <a:rPr lang="en-GB" sz="2400" dirty="0"/>
+              <a:t>Each</a:t>
+            </a:r>
+            <a:r>
               <a:rPr lang="en-GB" sz="2400" dirty="0">
                 <a:solidFill>
                   <a:schemeClr val="tx2"/>
                 </a:solidFill>
               </a:rPr>
-              <a:t>Each </a:t>
+              <a:t> </a:t>
             </a:r>
             <a:r>
               <a:rPr lang="en-GB" sz="2400" b="1" dirty="0">
@@ -22857,14 +21898,14 @@
                   <a:schemeClr val="tx2"/>
                 </a:solidFill>
               </a:rPr>
-              <a:t> is now modelled as also having their own </a:t>
-            </a:r>
-            <a:r>
-              <a:rPr lang="en-GB" sz="2400" b="1" dirty="0">
-                <a:solidFill>
-                  <a:schemeClr val="tx2"/>
-                </a:solidFill>
-              </a:rPr>
+              <a:t> </a:t>
+            </a:r>
+            <a:r>
+              <a:rPr lang="en-GB" sz="2400" dirty="0"/>
+              <a:t>is now modelled as also having their own </a:t>
+            </a:r>
+            <a:r>
+              <a:rPr lang="en-GB" sz="2400" b="1" dirty="0"/>
               <a:t>slope</a:t>
             </a:r>
           </a:p>
@@ -22919,7 +21960,7 @@
                   <a:schemeClr val="tx2"/>
                 </a:solidFill>
               </a:rPr>
-              <a:t>Random intercepts and slopes</a:t>
+              <a:t>random intercepts and slopes</a:t>
             </a:r>
           </a:p>
         </p:txBody>
